--- a/Отчетные материалы/Презентация.pptx
+++ b/Отчетные материалы/Презентация.pptx
@@ -5,8 +5,11 @@
     <p:sldMasterId id="2147483648" r:id="rId4"/>
   </p:sldMasterIdLst>
   <p:notesMasterIdLst>
-    <p:notesMasterId r:id="rId16"/>
+    <p:notesMasterId r:id="rId17"/>
   </p:notesMasterIdLst>
+  <p:handoutMasterIdLst>
+    <p:handoutMasterId r:id="rId18"/>
+  </p:handoutMasterIdLst>
   <p:sldIdLst>
     <p:sldId id="271" r:id="rId5"/>
     <p:sldId id="286" r:id="rId6"/>
@@ -17,8 +20,9 @@
     <p:sldId id="296" r:id="rId11"/>
     <p:sldId id="297" r:id="rId12"/>
     <p:sldId id="298" r:id="rId13"/>
-    <p:sldId id="300" r:id="rId14"/>
-    <p:sldId id="299" r:id="rId15"/>
+    <p:sldId id="301" r:id="rId14"/>
+    <p:sldId id="300" r:id="rId15"/>
+    <p:sldId id="299" r:id="rId16"/>
   </p:sldIdLst>
   <p:sldSz cx="12192000" cy="6858000"/>
   <p:notesSz cx="6858000" cy="9144000"/>
@@ -207,12 +211,193 @@
 </p:cmAuthorLst>
 </file>
 
-<file path=ppt/revisionInfo.xml><?xml version="1.0" encoding="utf-8"?>
-<p1510:revInfo xmlns:a="http://schemas.openxmlformats.org/drawingml/2006/main" xmlns:r="http://schemas.openxmlformats.org/officeDocument/2006/relationships" xmlns:p1510="http://schemas.microsoft.com/office/powerpoint/2015/10/main">
-  <p1510:revLst>
-    <p1510:client id="{14C21501-8AC7-D24B-9BD4-4AB280FA19DE}" v="6" dt="2021-11-26T18:08:21.528"/>
-  </p1510:revLst>
-</p1510:revInfo>
+<file path=ppt/handoutMasters/handoutMaster1.xml><?xml version="1.0" encoding="utf-8"?>
+<p:handoutMaster xmlns:a="http://schemas.openxmlformats.org/drawingml/2006/main" xmlns:r="http://schemas.openxmlformats.org/officeDocument/2006/relationships" xmlns:p="http://schemas.openxmlformats.org/presentationml/2006/main">
+  <p:cSld>
+    <p:bg>
+      <p:bgRef idx="1001">
+        <a:schemeClr val="bg1"/>
+      </p:bgRef>
+    </p:bg>
+    <p:spTree>
+      <p:nvGrpSpPr>
+        <p:cNvPr id="1" name=""/>
+        <p:cNvGrpSpPr/>
+        <p:nvPr/>
+      </p:nvGrpSpPr>
+      <p:grpSpPr>
+        <a:xfrm>
+          <a:off x="0" y="0"/>
+          <a:ext cx="0" cy="0"/>
+          <a:chOff x="0" y="0"/>
+          <a:chExt cx="0" cy="0"/>
+        </a:xfrm>
+      </p:grpSpPr>
+      <p:sp>
+        <p:nvSpPr>
+          <p:cNvPr id="2" name="Верхний колонтитул 1">
+            <a:extLst>
+              <a:ext uri="{FF2B5EF4-FFF2-40B4-BE49-F238E27FC236}">
+                <a16:creationId xmlns:a16="http://schemas.microsoft.com/office/drawing/2014/main" id="{B114AFF9-91C7-05A4-2967-32F3672729AC}"/>
+              </a:ext>
+            </a:extLst>
+          </p:cNvPr>
+          <p:cNvSpPr>
+            <a:spLocks noGrp="1"/>
+          </p:cNvSpPr>
+          <p:nvPr>
+            <p:ph type="hdr" sz="quarter"/>
+          </p:nvPr>
+        </p:nvSpPr>
+        <p:spPr>
+          <a:xfrm>
+            <a:off x="0" y="0"/>
+            <a:ext cx="2971800" cy="458788"/>
+          </a:xfrm>
+          <a:prstGeom prst="rect">
+            <a:avLst/>
+          </a:prstGeom>
+        </p:spPr>
+        <p:txBody>
+          <a:bodyPr vert="horz" lIns="91440" tIns="45720" rIns="91440" bIns="45720" rtlCol="0"/>
+          <a:lstStyle>
+            <a:lvl1pPr algn="l">
+              <a:defRPr sz="1200"/>
+            </a:lvl1pPr>
+          </a:lstStyle>
+          <a:p>
+            <a:endParaRPr lang="ru-RU"/>
+          </a:p>
+        </p:txBody>
+      </p:sp>
+      <p:sp>
+        <p:nvSpPr>
+          <p:cNvPr id="3" name="Дата 2">
+            <a:extLst>
+              <a:ext uri="{FF2B5EF4-FFF2-40B4-BE49-F238E27FC236}">
+                <a16:creationId xmlns:a16="http://schemas.microsoft.com/office/drawing/2014/main" id="{63250217-8C58-DB36-9AA8-277A9AB6C691}"/>
+              </a:ext>
+            </a:extLst>
+          </p:cNvPr>
+          <p:cNvSpPr>
+            <a:spLocks noGrp="1"/>
+          </p:cNvSpPr>
+          <p:nvPr>
+            <p:ph type="dt" sz="quarter" idx="1"/>
+          </p:nvPr>
+        </p:nvSpPr>
+        <p:spPr>
+          <a:xfrm>
+            <a:off x="3884613" y="0"/>
+            <a:ext cx="2971800" cy="458788"/>
+          </a:xfrm>
+          <a:prstGeom prst="rect">
+            <a:avLst/>
+          </a:prstGeom>
+        </p:spPr>
+        <p:txBody>
+          <a:bodyPr vert="horz" lIns="91440" tIns="45720" rIns="91440" bIns="45720" rtlCol="0"/>
+          <a:lstStyle>
+            <a:lvl1pPr algn="r">
+              <a:defRPr sz="1200"/>
+            </a:lvl1pPr>
+          </a:lstStyle>
+          <a:p>
+            <a:fld id="{5B24396A-6D45-439D-B479-C5B68D95E795}" type="datetimeFigureOut">
+              <a:rPr lang="ru-RU" smtClean="0"/>
+              <a:t>21.09.2022</a:t>
+            </a:fld>
+            <a:endParaRPr lang="ru-RU"/>
+          </a:p>
+        </p:txBody>
+      </p:sp>
+      <p:sp>
+        <p:nvSpPr>
+          <p:cNvPr id="4" name="Нижний колонтитул 3">
+            <a:extLst>
+              <a:ext uri="{FF2B5EF4-FFF2-40B4-BE49-F238E27FC236}">
+                <a16:creationId xmlns:a16="http://schemas.microsoft.com/office/drawing/2014/main" id="{1A2F1870-4A17-CE85-5A67-FC4DE1071175}"/>
+              </a:ext>
+            </a:extLst>
+          </p:cNvPr>
+          <p:cNvSpPr>
+            <a:spLocks noGrp="1"/>
+          </p:cNvSpPr>
+          <p:nvPr>
+            <p:ph type="ftr" sz="quarter" idx="2"/>
+          </p:nvPr>
+        </p:nvSpPr>
+        <p:spPr>
+          <a:xfrm>
+            <a:off x="0" y="8685213"/>
+            <a:ext cx="2971800" cy="458787"/>
+          </a:xfrm>
+          <a:prstGeom prst="rect">
+            <a:avLst/>
+          </a:prstGeom>
+        </p:spPr>
+        <p:txBody>
+          <a:bodyPr vert="horz" lIns="91440" tIns="45720" rIns="91440" bIns="45720" rtlCol="0" anchor="b"/>
+          <a:lstStyle>
+            <a:lvl1pPr algn="l">
+              <a:defRPr sz="1200"/>
+            </a:lvl1pPr>
+          </a:lstStyle>
+          <a:p>
+            <a:endParaRPr lang="ru-RU"/>
+          </a:p>
+        </p:txBody>
+      </p:sp>
+      <p:sp>
+        <p:nvSpPr>
+          <p:cNvPr id="5" name="Номер слайда 4">
+            <a:extLst>
+              <a:ext uri="{FF2B5EF4-FFF2-40B4-BE49-F238E27FC236}">
+                <a16:creationId xmlns:a16="http://schemas.microsoft.com/office/drawing/2014/main" id="{08BE8947-E980-D683-FDA1-879C3CAD1138}"/>
+              </a:ext>
+            </a:extLst>
+          </p:cNvPr>
+          <p:cNvSpPr>
+            <a:spLocks noGrp="1"/>
+          </p:cNvSpPr>
+          <p:nvPr>
+            <p:ph type="sldNum" sz="quarter" idx="3"/>
+          </p:nvPr>
+        </p:nvSpPr>
+        <p:spPr>
+          <a:xfrm>
+            <a:off x="3884613" y="8685213"/>
+            <a:ext cx="2971800" cy="458787"/>
+          </a:xfrm>
+          <a:prstGeom prst="rect">
+            <a:avLst/>
+          </a:prstGeom>
+        </p:spPr>
+        <p:txBody>
+          <a:bodyPr vert="horz" lIns="91440" tIns="45720" rIns="91440" bIns="45720" rtlCol="0" anchor="b"/>
+          <a:lstStyle>
+            <a:lvl1pPr algn="r">
+              <a:defRPr sz="1200"/>
+            </a:lvl1pPr>
+          </a:lstStyle>
+          <a:p>
+            <a:fld id="{81E8FA8E-4A25-4C68-8608-0EA3B3B08ADA}" type="slidenum">
+              <a:rPr lang="ru-RU" smtClean="0"/>
+              <a:t>‹#›</a:t>
+            </a:fld>
+            <a:endParaRPr lang="ru-RU"/>
+          </a:p>
+        </p:txBody>
+      </p:sp>
+    </p:spTree>
+    <p:extLst>
+      <p:ext uri="{BB962C8B-B14F-4D97-AF65-F5344CB8AC3E}">
+        <p14:creationId xmlns:p14="http://schemas.microsoft.com/office/powerpoint/2010/main" val="567833584"/>
+      </p:ext>
+    </p:extLst>
+  </p:cSld>
+  <p:clrMap bg1="lt1" tx1="dk1" bg2="lt2" tx2="dk2" accent1="accent1" accent2="accent2" accent3="accent3" accent4="accent4" accent5="accent5" accent6="accent6" hlink="hlink" folHlink="folHlink"/>
+</p:handoutMaster>
 </file>
 
 <file path=ppt/notesMasters/notesMaster1.xml><?xml version="1.0" encoding="utf-8"?>
@@ -297,7 +482,7 @@
           <a:p>
             <a:fld id="{73261BF4-8B2C-784B-9959-B59A059012C3}" type="datetimeFigureOut">
               <a:rPr lang="en-RU" smtClean="0"/>
-              <a:t>13.09.2022</a:t>
+              <a:t>21.09.2022</a:t>
             </a:fld>
             <a:endParaRPr lang="en-RU"/>
           </a:p>
@@ -13344,7 +13529,7 @@
           <a:p>
             <a:fld id="{53063DFB-8595-A44B-9F09-A50FA310E559}" type="datetimeFigureOut">
               <a:rPr lang="en-RU" smtClean="0"/>
-              <a:t>13.09.2022</a:t>
+              <a:t>21.09.2022</a:t>
             </a:fld>
             <a:endParaRPr lang="en-RU"/>
           </a:p>
@@ -13853,27 +14038,28 @@
           <a:lstStyle/>
           <a:p>
             <a:r>
-              <a:rPr lang="ru-RU" sz="1400" dirty="0"/>
+              <a:rPr lang="ru-RU" sz="1600" dirty="0"/>
               <a:t>Соколов Ян</a:t>
             </a:r>
           </a:p>
           <a:p>
             <a:r>
-              <a:rPr lang="ru-RU" sz="1400" dirty="0"/>
+              <a:rPr lang="ru-RU" sz="1600" dirty="0"/>
               <a:t>Екимов Егор</a:t>
             </a:r>
           </a:p>
           <a:p>
             <a:r>
-              <a:rPr lang="ru-RU" sz="1400" dirty="0"/>
+              <a:rPr lang="ru-RU" sz="1600" dirty="0"/>
               <a:t>Васильев Демид</a:t>
             </a:r>
           </a:p>
           <a:p>
             <a:r>
-              <a:rPr lang="ru-RU" sz="1400" dirty="0"/>
+              <a:rPr lang="ru-RU" sz="1600"/>
               <a:t>Конюх Александр</a:t>
             </a:r>
+            <a:endParaRPr lang="ru-RU" sz="1600" dirty="0"/>
           </a:p>
         </p:txBody>
       </p:sp>
@@ -13950,6 +14136,35 @@
           <a:chExt cx="0" cy="0"/>
         </a:xfrm>
       </p:grpSpPr>
+      <p:pic>
+        <p:nvPicPr>
+          <p:cNvPr id="8" name="Рисунок 7">
+            <a:extLst>
+              <a:ext uri="{FF2B5EF4-FFF2-40B4-BE49-F238E27FC236}">
+                <a16:creationId xmlns:a16="http://schemas.microsoft.com/office/drawing/2014/main" id="{3A664819-E38A-D5A2-CDC8-5883CE3EDB29}"/>
+              </a:ext>
+            </a:extLst>
+          </p:cNvPr>
+          <p:cNvPicPr>
+            <a:picLocks noChangeAspect="1"/>
+          </p:cNvPicPr>
+          <p:nvPr/>
+        </p:nvPicPr>
+        <p:blipFill rotWithShape="1">
+          <a:blip r:embed="rId2"/>
+          <a:srcRect l="7945" r="7807"/>
+          <a:stretch/>
+        </p:blipFill>
+        <p:spPr>
+          <a:xfrm>
+            <a:off x="360829" y="1926050"/>
+            <a:ext cx="10845464" cy="3670881"/>
+          </a:xfrm>
+          <a:prstGeom prst="rect">
+            <a:avLst/>
+          </a:prstGeom>
+        </p:spPr>
+      </p:pic>
       <p:sp>
         <p:nvSpPr>
           <p:cNvPr id="3" name="Заголовок 2">
@@ -13977,70 +14192,10 @@
           <a:lstStyle/>
           <a:p>
             <a:r>
-              <a:rPr lang="ru-RU" b="1" dirty="0"/>
-              <a:t>Код алгоритма</a:t>
+              <a:rPr lang="en-US" b="1" dirty="0"/>
+              <a:t>Experiments</a:t>
             </a:r>
             <a:endParaRPr lang="ru-RU" dirty="0"/>
-          </a:p>
-        </p:txBody>
-      </p:sp>
-      <p:sp>
-        <p:nvSpPr>
-          <p:cNvPr id="4" name="Текст 3">
-            <a:extLst>
-              <a:ext uri="{FF2B5EF4-FFF2-40B4-BE49-F238E27FC236}">
-                <a16:creationId xmlns:a16="http://schemas.microsoft.com/office/drawing/2014/main" id="{F47F7E62-7DC2-AC80-75A3-5A41BE66DA7B}"/>
-              </a:ext>
-            </a:extLst>
-          </p:cNvPr>
-          <p:cNvSpPr>
-            <a:spLocks noGrp="1"/>
-          </p:cNvSpPr>
-          <p:nvPr>
-            <p:ph type="body" sz="quarter" idx="12"/>
-          </p:nvPr>
-        </p:nvSpPr>
-        <p:spPr>
-          <a:xfrm>
-            <a:off x="538001" y="1947319"/>
-            <a:ext cx="5373189" cy="4079003"/>
-          </a:xfrm>
-        </p:spPr>
-        <p:txBody>
-          <a:bodyPr>
-            <a:normAutofit/>
-          </a:bodyPr>
-          <a:lstStyle/>
-          <a:p>
-            <a:r>
-              <a:rPr lang="ru-RU" sz="2000" dirty="0"/>
-              <a:t>Мы разбили алгоритм на маленькие части</a:t>
-            </a:r>
-            <a:r>
-              <a:rPr lang="en-US" sz="2000" dirty="0"/>
-              <a:t>, </a:t>
-            </a:r>
-            <a:r>
-              <a:rPr lang="ru-RU" sz="2000" dirty="0"/>
-              <a:t>можно посмотреть на </a:t>
-            </a:r>
-            <a:r>
-              <a:rPr lang="en-US" sz="2000" dirty="0">
-                <a:hlinkClick r:id="rId2"/>
-              </a:rPr>
-              <a:t>GitHub</a:t>
-            </a:r>
-            <a:r>
-              <a:rPr lang="en-US" sz="2000" dirty="0"/>
-              <a:t> </a:t>
-            </a:r>
-            <a:r>
-              <a:rPr lang="en-US" sz="2000" dirty="0">
-                <a:sym typeface="Wingdings" pitchFamily="2" charset="2"/>
-              </a:rPr>
-              <a:t></a:t>
-            </a:r>
-            <a:endParaRPr lang="en-US" sz="2000" dirty="0"/>
           </a:p>
         </p:txBody>
       </p:sp>
@@ -14072,12 +14227,152 @@
           </a:p>
         </p:txBody>
       </p:sp>
+    </p:spTree>
+    <p:extLst>
+      <p:ext uri="{BB962C8B-B14F-4D97-AF65-F5344CB8AC3E}">
+        <p14:creationId xmlns:p14="http://schemas.microsoft.com/office/powerpoint/2010/main" val="64064840"/>
+      </p:ext>
+    </p:extLst>
+  </p:cSld>
+  <p:clrMapOvr>
+    <a:masterClrMapping/>
+  </p:clrMapOvr>
+</p:sld>
+</file>
+
+<file path=ppt/slides/slide11.xml><?xml version="1.0" encoding="utf-8"?>
+<p:sld xmlns:a="http://schemas.openxmlformats.org/drawingml/2006/main" xmlns:r="http://schemas.openxmlformats.org/officeDocument/2006/relationships" xmlns:p="http://schemas.openxmlformats.org/presentationml/2006/main">
+  <p:cSld>
+    <p:spTree>
+      <p:nvGrpSpPr>
+        <p:cNvPr id="1" name=""/>
+        <p:cNvGrpSpPr/>
+        <p:nvPr/>
+      </p:nvGrpSpPr>
+      <p:grpSpPr>
+        <a:xfrm>
+          <a:off x="0" y="0"/>
+          <a:ext cx="0" cy="0"/>
+          <a:chOff x="0" y="0"/>
+          <a:chExt cx="0" cy="0"/>
+        </a:xfrm>
+      </p:grpSpPr>
+      <p:sp>
+        <p:nvSpPr>
+          <p:cNvPr id="3" name="Заголовок 2">
+            <a:extLst>
+              <a:ext uri="{FF2B5EF4-FFF2-40B4-BE49-F238E27FC236}">
+                <a16:creationId xmlns:a16="http://schemas.microsoft.com/office/drawing/2014/main" id="{2D9090A9-1C7B-573D-3E7B-9E2883A0E553}"/>
+              </a:ext>
+            </a:extLst>
+          </p:cNvPr>
+          <p:cNvSpPr>
+            <a:spLocks noGrp="1"/>
+          </p:cNvSpPr>
+          <p:nvPr>
+            <p:ph type="title"/>
+          </p:nvPr>
+        </p:nvSpPr>
+        <p:spPr>
+          <a:xfrm>
+            <a:off x="538001" y="1461068"/>
+            <a:ext cx="5245560" cy="777025"/>
+          </a:xfrm>
+        </p:spPr>
+        <p:txBody>
+          <a:bodyPr/>
+          <a:lstStyle/>
+          <a:p>
+            <a:r>
+              <a:rPr lang="ru-RU" b="1" dirty="0"/>
+              <a:t>Код алгоритма</a:t>
+            </a:r>
+            <a:endParaRPr lang="ru-RU" dirty="0"/>
+          </a:p>
+        </p:txBody>
+      </p:sp>
+      <p:sp>
+        <p:nvSpPr>
+          <p:cNvPr id="4" name="Текст 3">
+            <a:extLst>
+              <a:ext uri="{FF2B5EF4-FFF2-40B4-BE49-F238E27FC236}">
+                <a16:creationId xmlns:a16="http://schemas.microsoft.com/office/drawing/2014/main" id="{F47F7E62-7DC2-AC80-75A3-5A41BE66DA7B}"/>
+              </a:ext>
+            </a:extLst>
+          </p:cNvPr>
+          <p:cNvSpPr>
+            <a:spLocks noGrp="1"/>
+          </p:cNvSpPr>
+          <p:nvPr>
+            <p:ph type="body" sz="quarter" idx="12"/>
+          </p:nvPr>
+        </p:nvSpPr>
+        <p:spPr>
+          <a:xfrm>
+            <a:off x="538001" y="2238093"/>
+            <a:ext cx="3856199" cy="4079003"/>
+          </a:xfrm>
+        </p:spPr>
+        <p:txBody>
+          <a:bodyPr>
+            <a:normAutofit/>
+          </a:bodyPr>
+          <a:lstStyle/>
+          <a:p>
+            <a:r>
+              <a:rPr lang="ru-RU" sz="2000" dirty="0"/>
+              <a:t>Реализацию алгоритма и экспериментальный ноутбук можно найти в нашем репозитории на </a:t>
+            </a:r>
+            <a:r>
+              <a:rPr lang="en-US" sz="2000" dirty="0">
+                <a:hlinkClick r:id="rId2"/>
+              </a:rPr>
+              <a:t>GitHub</a:t>
+            </a:r>
+            <a:r>
+              <a:rPr lang="ru-RU" sz="2000" dirty="0">
+                <a:sym typeface="Wingdings" pitchFamily="2" charset="2"/>
+              </a:rPr>
+              <a:t>.</a:t>
+            </a:r>
+            <a:endParaRPr lang="en-US" sz="2000" dirty="0"/>
+          </a:p>
+        </p:txBody>
+      </p:sp>
+      <p:sp>
+        <p:nvSpPr>
+          <p:cNvPr id="5" name="Текст 4">
+            <a:extLst>
+              <a:ext uri="{FF2B5EF4-FFF2-40B4-BE49-F238E27FC236}">
+                <a16:creationId xmlns:a16="http://schemas.microsoft.com/office/drawing/2014/main" id="{C148AB9A-79C6-117B-AB17-505FF6041D33}"/>
+              </a:ext>
+            </a:extLst>
+          </p:cNvPr>
+          <p:cNvSpPr>
+            <a:spLocks noGrp="1"/>
+          </p:cNvSpPr>
+          <p:nvPr>
+            <p:ph type="body" sz="quarter" idx="13"/>
+          </p:nvPr>
+        </p:nvSpPr>
+        <p:spPr/>
+        <p:txBody>
+          <a:bodyPr/>
+          <a:lstStyle/>
+          <a:p>
+            <a:r>
+              <a:rPr lang="ru-RU" dirty="0"/>
+              <a:t>ФКН ПМИ</a:t>
+            </a:r>
+          </a:p>
+        </p:txBody>
+      </p:sp>
       <p:pic>
         <p:nvPicPr>
-          <p:cNvPr id="6" name="Picture 5" descr="Text&#10;&#10;Description automatically generated with low confidence">
-            <a:extLst>
-              <a:ext uri="{FF2B5EF4-FFF2-40B4-BE49-F238E27FC236}">
-                <a16:creationId xmlns:a16="http://schemas.microsoft.com/office/drawing/2014/main" id="{D4AE610F-E429-E3B0-7807-0F2804B8A731}"/>
+          <p:cNvPr id="7" name="Picture 6">
+            <a:extLst>
+              <a:ext uri="{FF2B5EF4-FFF2-40B4-BE49-F238E27FC236}">
+                <a16:creationId xmlns:a16="http://schemas.microsoft.com/office/drawing/2014/main" id="{93959C99-7AFF-B421-A4BE-8F4613775F83}"/>
               </a:ext>
             </a:extLst>
           </p:cNvPr>
@@ -14094,8 +14389,8 @@
         </p:blipFill>
         <p:spPr>
           <a:xfrm>
-            <a:off x="5783561" y="1953850"/>
-            <a:ext cx="5765800" cy="1358900"/>
+            <a:off x="4394200" y="2238093"/>
+            <a:ext cx="7035800" cy="2794000"/>
           </a:xfrm>
           <a:prstGeom prst="rect">
             <a:avLst/>
@@ -14115,7 +14410,7 @@
 </p:sld>
 </file>
 
-<file path=ppt/slides/slide11.xml><?xml version="1.0" encoding="utf-8"?>
+<file path=ppt/slides/slide12.xml><?xml version="1.0" encoding="utf-8"?>
 <p:sld xmlns:a="http://schemas.openxmlformats.org/drawingml/2006/main" xmlns:r="http://schemas.openxmlformats.org/officeDocument/2006/relationships" xmlns:p="http://schemas.openxmlformats.org/presentationml/2006/main">
   <p:cSld>
     <p:spTree>
@@ -14941,7 +15236,7 @@
         </p:blipFill>
         <p:spPr>
           <a:xfrm>
-            <a:off x="2476941" y="748866"/>
+            <a:off x="2476941" y="956829"/>
             <a:ext cx="9268498" cy="5746469"/>
           </a:xfrm>
           <a:prstGeom prst="rect">
@@ -15013,7 +15308,7 @@
           <a:p>
             <a:r>
               <a:rPr lang="ru-RU" sz="2000" dirty="0"/>
-              <a:t>Алгоритм состоит из двух основных частей</a:t>
+              <a:t>Описанный в статье алгоритм состоит из двух основных частей</a:t>
             </a:r>
             <a:r>
               <a:rPr lang="en-US" sz="2000" dirty="0"/>
@@ -15202,115 +15497,228 @@
           </a:p>
         </p:txBody>
       </p:sp>
-      <p:sp>
-        <p:nvSpPr>
-          <p:cNvPr id="4" name="Текст 3">
-            <a:extLst>
-              <a:ext uri="{FF2B5EF4-FFF2-40B4-BE49-F238E27FC236}">
-                <a16:creationId xmlns:a16="http://schemas.microsoft.com/office/drawing/2014/main" id="{F47F7E62-7DC2-AC80-75A3-5A41BE66DA7B}"/>
-              </a:ext>
-            </a:extLst>
-          </p:cNvPr>
-          <p:cNvSpPr>
-            <a:spLocks noGrp="1"/>
-          </p:cNvSpPr>
-          <p:nvPr>
-            <p:ph type="body" sz="quarter" idx="12"/>
-          </p:nvPr>
-        </p:nvSpPr>
-        <p:spPr>
-          <a:xfrm>
-            <a:off x="538001" y="2809467"/>
-            <a:ext cx="5373189" cy="4079003"/>
-          </a:xfrm>
-        </p:spPr>
-        <p:txBody>
-          <a:bodyPr>
-            <a:normAutofit/>
-          </a:bodyPr>
-          <a:lstStyle/>
-          <a:p>
-            <a:r>
-              <a:rPr lang="ru-RU" sz="2000" dirty="0"/>
-              <a:t>Для вычисления </a:t>
-            </a:r>
-            <a:r>
-              <a:rPr lang="en-US" sz="2000" dirty="0"/>
-              <a:t>FS </a:t>
-            </a:r>
-            <a:r>
-              <a:rPr lang="ru-RU" sz="2000" dirty="0"/>
-              <a:t>меры необходимо иметь следующие величины</a:t>
-            </a:r>
-            <a:r>
-              <a:rPr lang="en-US" sz="2000" dirty="0"/>
-              <a:t>:</a:t>
-            </a:r>
-          </a:p>
-          <a:p>
-            <a:r>
-              <a:rPr lang="el-GR" sz="2000" dirty="0"/>
-              <a:t>μ</a:t>
-            </a:r>
-            <a:r>
-              <a:rPr lang="ru-RU" sz="2000" dirty="0"/>
-              <a:t> – усредненная сумма по всем объектам</a:t>
-            </a:r>
-            <a:r>
-              <a:rPr lang="en-US" sz="2000" dirty="0"/>
-              <a:t>.</a:t>
-            </a:r>
-            <a:endParaRPr lang="ru-RU" sz="2000" dirty="0"/>
-          </a:p>
-          <a:p>
-            <a:r>
-              <a:rPr lang="el-GR" sz="2000" dirty="0"/>
-              <a:t>μ</a:t>
-            </a:r>
-            <a:r>
-              <a:rPr lang="en-US" sz="2000" dirty="0"/>
-              <a:t>k – </a:t>
-            </a:r>
-            <a:r>
-              <a:rPr lang="ru-RU" sz="2000" dirty="0"/>
-              <a:t>усредненная сумма по всем объектам кластера</a:t>
-            </a:r>
-            <a:r>
-              <a:rPr lang="en-US" sz="2000" dirty="0"/>
-              <a:t> k.</a:t>
-            </a:r>
-          </a:p>
-          <a:p>
-            <a:r>
-              <a:rPr lang="en-US" sz="2000" dirty="0" err="1"/>
-              <a:t>X_j^k</a:t>
-            </a:r>
-            <a:r>
-              <a:rPr lang="en-US" sz="2000" dirty="0"/>
-              <a:t> – j – </a:t>
-            </a:r>
-            <a:r>
-              <a:rPr lang="ru-RU" sz="2000" dirty="0" err="1"/>
-              <a:t>ый</a:t>
-            </a:r>
-            <a:r>
-              <a:rPr lang="ru-RU" sz="2000" dirty="0"/>
-              <a:t> объект кластера </a:t>
-            </a:r>
-            <a:r>
-              <a:rPr lang="en-US" sz="2000" dirty="0"/>
-              <a:t>k</a:t>
-            </a:r>
-            <a:endParaRPr lang="ru-RU" sz="2000" dirty="0"/>
-          </a:p>
-          <a:p>
-            <a:endParaRPr lang="en-US" sz="2000" dirty="0"/>
-          </a:p>
-          <a:p>
-            <a:endParaRPr lang="en-US" sz="2000" dirty="0"/>
-          </a:p>
-        </p:txBody>
-      </p:sp>
+      <mc:AlternateContent xmlns:mc="http://schemas.openxmlformats.org/markup-compatibility/2006" xmlns:a14="http://schemas.microsoft.com/office/drawing/2010/main">
+        <mc:Choice Requires="a14">
+          <p:sp>
+            <p:nvSpPr>
+              <p:cNvPr id="4" name="Текст 3">
+                <a:extLst>
+                  <a:ext uri="{FF2B5EF4-FFF2-40B4-BE49-F238E27FC236}">
+                    <a16:creationId xmlns:a16="http://schemas.microsoft.com/office/drawing/2014/main" id="{F47F7E62-7DC2-AC80-75A3-5A41BE66DA7B}"/>
+                  </a:ext>
+                </a:extLst>
+              </p:cNvPr>
+              <p:cNvSpPr>
+                <a:spLocks noGrp="1"/>
+              </p:cNvSpPr>
+              <p:nvPr>
+                <p:ph type="body" sz="quarter" idx="12"/>
+              </p:nvPr>
+            </p:nvSpPr>
+            <p:spPr>
+              <a:xfrm>
+                <a:off x="538001" y="2809467"/>
+                <a:ext cx="5373189" cy="4079003"/>
+              </a:xfrm>
+            </p:spPr>
+            <p:txBody>
+              <a:bodyPr>
+                <a:normAutofit/>
+              </a:bodyPr>
+              <a:lstStyle/>
+              <a:p>
+                <a:r>
+                  <a:rPr lang="ru-RU" sz="2000" dirty="0"/>
+                  <a:t>Для вычисления </a:t>
+                </a:r>
+                <a:r>
+                  <a:rPr lang="en-US" sz="2000" dirty="0"/>
+                  <a:t>FS </a:t>
+                </a:r>
+                <a:r>
+                  <a:rPr lang="ru-RU" sz="2000" dirty="0"/>
+                  <a:t>меры необходимо иметь следующие величины</a:t>
+                </a:r>
+                <a:r>
+                  <a:rPr lang="en-US" sz="2000" dirty="0"/>
+                  <a:t>:</a:t>
+                </a:r>
+              </a:p>
+              <a:p>
+                <a14:m>
+                  <m:oMath xmlns:m="http://schemas.openxmlformats.org/officeDocument/2006/math">
+                    <m:r>
+                      <m:rPr>
+                        <m:sty m:val="p"/>
+                      </m:rPr>
+                      <a:rPr lang="en-US" sz="2000" b="0" i="1" smtClean="0">
+                        <a:latin typeface="Cambria Math" panose="02040503050406030204" pitchFamily="18" charset="0"/>
+                      </a:rPr>
+                      <m:t>μ</m:t>
+                    </m:r>
+                  </m:oMath>
+                </a14:m>
+                <a:r>
+                  <a:rPr lang="ru-RU" sz="2000" dirty="0"/>
+                  <a:t>– усредненная сумма по всем объектам</a:t>
+                </a:r>
+                <a:r>
+                  <a:rPr lang="en-US" sz="2000" dirty="0"/>
+                  <a:t>.</a:t>
+                </a:r>
+              </a:p>
+              <a:p>
+                <a14:m>
+                  <m:oMath xmlns:m="http://schemas.openxmlformats.org/officeDocument/2006/math">
+                    <m:sSub>
+                      <m:sSubPr>
+                        <m:ctrlPr>
+                          <a:rPr lang="en-US" sz="2000" b="0" i="1" smtClean="0">
+                            <a:latin typeface="Cambria Math" panose="02040503050406030204" pitchFamily="18" charset="0"/>
+                          </a:rPr>
+                        </m:ctrlPr>
+                      </m:sSubPr>
+                      <m:e>
+                        <m:r>
+                          <a:rPr lang="en-US" sz="2000" b="0" i="1" smtClean="0">
+                            <a:latin typeface="Cambria Math" panose="02040503050406030204" pitchFamily="18" charset="0"/>
+                          </a:rPr>
+                          <m:t>𝜇</m:t>
+                        </m:r>
+                      </m:e>
+                      <m:sub>
+                        <m:r>
+                          <a:rPr lang="en-US" sz="2000" b="0" i="1" smtClean="0">
+                            <a:latin typeface="Cambria Math" panose="02040503050406030204" pitchFamily="18" charset="0"/>
+                          </a:rPr>
+                          <m:t>𝑘</m:t>
+                        </m:r>
+                      </m:sub>
+                    </m:sSub>
+                  </m:oMath>
+                </a14:m>
+                <a:r>
+                  <a:rPr lang="en-US" sz="2000" dirty="0"/>
+                  <a:t> – </a:t>
+                </a:r>
+                <a:r>
+                  <a:rPr lang="ru-RU" sz="2000" dirty="0"/>
+                  <a:t>усредненная сумма по всем объектам кластера</a:t>
+                </a:r>
+                <a:r>
+                  <a:rPr lang="en-US" sz="2000" dirty="0"/>
+                  <a:t> k.</a:t>
+                </a:r>
+              </a:p>
+              <a:p>
+                <a14:m>
+                  <m:oMath xmlns:m="http://schemas.openxmlformats.org/officeDocument/2006/math">
+                    <m:sSubSup>
+                      <m:sSubSupPr>
+                        <m:ctrlPr>
+                          <a:rPr lang="en-US" sz="2000" b="0" i="1" smtClean="0">
+                            <a:latin typeface="Cambria Math" panose="02040503050406030204" pitchFamily="18" charset="0"/>
+                          </a:rPr>
+                        </m:ctrlPr>
+                      </m:sSubSupPr>
+                      <m:e>
+                        <m:r>
+                          <a:rPr lang="en-US" sz="2000" b="0" i="1" smtClean="0">
+                            <a:latin typeface="Cambria Math" panose="02040503050406030204" pitchFamily="18" charset="0"/>
+                          </a:rPr>
+                          <m:t>𝑥</m:t>
+                        </m:r>
+                      </m:e>
+                      <m:sub>
+                        <m:r>
+                          <a:rPr lang="en-US" sz="2000" b="0" i="1" smtClean="0">
+                            <a:latin typeface="Cambria Math" panose="02040503050406030204" pitchFamily="18" charset="0"/>
+                          </a:rPr>
+                          <m:t>𝑗</m:t>
+                        </m:r>
+                      </m:sub>
+                      <m:sup>
+                        <m:r>
+                          <a:rPr lang="en-US" sz="2000" b="0" i="1" smtClean="0">
+                            <a:latin typeface="Cambria Math" panose="02040503050406030204" pitchFamily="18" charset="0"/>
+                          </a:rPr>
+                          <m:t>𝑘</m:t>
+                        </m:r>
+                      </m:sup>
+                    </m:sSubSup>
+                  </m:oMath>
+                </a14:m>
+                <a:r>
+                  <a:rPr lang="en-US" sz="2000" dirty="0"/>
+                  <a:t> – j – </a:t>
+                </a:r>
+                <a:r>
+                  <a:rPr lang="ru-RU" sz="2000" dirty="0" err="1"/>
+                  <a:t>ый</a:t>
+                </a:r>
+                <a:r>
+                  <a:rPr lang="ru-RU" sz="2000" dirty="0"/>
+                  <a:t> объект кластера </a:t>
+                </a:r>
+                <a:r>
+                  <a:rPr lang="en-US" sz="2000" dirty="0"/>
+                  <a:t>k</a:t>
+                </a:r>
+                <a:endParaRPr lang="ru-RU" sz="2000" dirty="0"/>
+              </a:p>
+              <a:p>
+                <a:endParaRPr lang="en-US" sz="2000" dirty="0"/>
+              </a:p>
+              <a:p>
+                <a:endParaRPr lang="en-US" sz="2000" dirty="0"/>
+              </a:p>
+            </p:txBody>
+          </p:sp>
+        </mc:Choice>
+        <mc:Fallback xmlns="">
+          <p:sp>
+            <p:nvSpPr>
+              <p:cNvPr id="4" name="Текст 3">
+                <a:extLst>
+                  <a:ext uri="{FF2B5EF4-FFF2-40B4-BE49-F238E27FC236}">
+                    <a16:creationId xmlns:a16="http://schemas.microsoft.com/office/drawing/2014/main" id="{F47F7E62-7DC2-AC80-75A3-5A41BE66DA7B}"/>
+                  </a:ext>
+                </a:extLst>
+              </p:cNvPr>
+              <p:cNvSpPr>
+                <a:spLocks noGrp="1" noRot="1" noChangeAspect="1" noMove="1" noResize="1" noEditPoints="1" noAdjustHandles="1" noChangeArrowheads="1" noChangeShapeType="1" noTextEdit="1"/>
+              </p:cNvSpPr>
+              <p:nvPr>
+                <p:ph type="body" sz="quarter" idx="12"/>
+              </p:nvPr>
+            </p:nvSpPr>
+            <p:spPr>
+              <a:xfrm>
+                <a:off x="538001" y="2809467"/>
+                <a:ext cx="5373189" cy="4079003"/>
+              </a:xfrm>
+              <a:blipFill>
+                <a:blip r:embed="rId2"/>
+                <a:stretch>
+                  <a:fillRect l="-2834" t="-1943"/>
+                </a:stretch>
+              </a:blipFill>
+            </p:spPr>
+            <p:txBody>
+              <a:bodyPr/>
+              <a:lstStyle/>
+              <a:p>
+                <a:r>
+                  <a:rPr lang="ru-RU">
+                    <a:noFill/>
+                  </a:rPr>
+                  <a:t> </a:t>
+                </a:r>
+              </a:p>
+            </p:txBody>
+          </p:sp>
+        </mc:Fallback>
+      </mc:AlternateContent>
       <p:sp>
         <p:nvSpPr>
           <p:cNvPr id="5" name="Текст 4">
@@ -15339,8 +15747,8 @@
           </a:p>
         </p:txBody>
       </p:sp>
-      <mc:AlternateContent xmlns:mc="http://schemas.openxmlformats.org/markup-compatibility/2006">
-        <mc:Choice xmlns:a14="http://schemas.microsoft.com/office/drawing/2010/main" Requires="a14">
+      <mc:AlternateContent xmlns:mc="http://schemas.openxmlformats.org/markup-compatibility/2006" xmlns:a14="http://schemas.microsoft.com/office/drawing/2010/main">
+        <mc:Choice Requires="a14">
           <p:sp>
             <p:nvSpPr>
               <p:cNvPr id="2" name="TextBox 1">
@@ -15721,7 +16129,7 @@
             </p:txBody>
           </p:sp>
         </mc:Choice>
-        <mc:Fallback>
+        <mc:Fallback xmlns="">
           <p:sp>
             <p:nvSpPr>
               <p:cNvPr id="2" name="TextBox 1">
@@ -15745,7 +16153,7 @@
                 <a:avLst/>
               </a:prstGeom>
               <a:blipFill>
-                <a:blip r:embed="rId2"/>
+                <a:blip r:embed="rId3"/>
                 <a:stretch>
                   <a:fillRect t="-10127" b="-87342"/>
                 </a:stretch>
@@ -15830,189 +16238,342 @@
           </a:p>
         </p:txBody>
       </p:sp>
-      <p:sp>
-        <p:nvSpPr>
-          <p:cNvPr id="4" name="Текст 3">
-            <a:extLst>
-              <a:ext uri="{FF2B5EF4-FFF2-40B4-BE49-F238E27FC236}">
-                <a16:creationId xmlns:a16="http://schemas.microsoft.com/office/drawing/2014/main" id="{F47F7E62-7DC2-AC80-75A3-5A41BE66DA7B}"/>
-              </a:ext>
-            </a:extLst>
-          </p:cNvPr>
-          <p:cNvSpPr>
-            <a:spLocks noGrp="1"/>
-          </p:cNvSpPr>
-          <p:nvPr>
-            <p:ph type="body" sz="quarter" idx="12"/>
-          </p:nvPr>
-        </p:nvSpPr>
-        <p:spPr>
-          <a:xfrm>
-            <a:off x="538001" y="2238092"/>
-            <a:ext cx="5373189" cy="4079003"/>
-          </a:xfrm>
-        </p:spPr>
-        <p:txBody>
-          <a:bodyPr>
-            <a:normAutofit/>
-          </a:bodyPr>
-          <a:lstStyle/>
-          <a:p>
-            <a:r>
-              <a:rPr lang="ru-RU" sz="2000" dirty="0"/>
-              <a:t>На данном шаге происходит отбор признаков</a:t>
-            </a:r>
-            <a:r>
-              <a:rPr lang="en-US" sz="2000" dirty="0"/>
-              <a:t>, </a:t>
-            </a:r>
-            <a:r>
-              <a:rPr lang="ru-RU" sz="2000" dirty="0"/>
-              <a:t>оказывающих наибольшее влияние на полученное разбиение</a:t>
-            </a:r>
-            <a:r>
-              <a:rPr lang="en-US" sz="2000" dirty="0"/>
-              <a:t>, </a:t>
-            </a:r>
-            <a:r>
-              <a:rPr lang="ru-RU" sz="2000" dirty="0"/>
-              <a:t>с использованием </a:t>
-            </a:r>
-            <a:r>
-              <a:rPr lang="en-US" sz="2000" dirty="0"/>
-              <a:t>t-</a:t>
-            </a:r>
-            <a:r>
-              <a:rPr lang="ru-RU" sz="2000" dirty="0"/>
-              <a:t>статистики</a:t>
-            </a:r>
-            <a:r>
-              <a:rPr lang="en-US" sz="2000" dirty="0"/>
-              <a:t>. </a:t>
-            </a:r>
-            <a:endParaRPr lang="ru-RU" sz="2000" dirty="0"/>
-          </a:p>
-          <a:p>
-            <a:r>
-              <a:rPr lang="ru-RU" sz="2000" dirty="0"/>
-              <a:t>Те фичи</a:t>
-            </a:r>
-            <a:r>
-              <a:rPr lang="en-US" sz="2000" dirty="0"/>
-              <a:t>, t-</a:t>
-            </a:r>
-            <a:r>
-              <a:rPr lang="ru-RU" sz="2000" dirty="0"/>
-              <a:t>статистика которых больше полученного порога </a:t>
-            </a:r>
-            <a:r>
-              <a:rPr lang="en-US" sz="2000" dirty="0" err="1"/>
-              <a:t>T_th</a:t>
-            </a:r>
-            <a:r>
-              <a:rPr lang="en-US" sz="2000" dirty="0"/>
-              <a:t> </a:t>
-            </a:r>
-            <a:r>
-              <a:rPr lang="ru-RU" sz="2000" dirty="0"/>
-              <a:t>остаются на следующую итерацию</a:t>
-            </a:r>
-            <a:r>
-              <a:rPr lang="en-US" sz="2000" dirty="0"/>
-              <a:t>.</a:t>
-            </a:r>
-            <a:endParaRPr lang="ru-RU" sz="2000" dirty="0"/>
-          </a:p>
-          <a:p>
-            <a:r>
-              <a:rPr lang="en-US" sz="2000" dirty="0" err="1"/>
-              <a:t>T_th</a:t>
-            </a:r>
-            <a:r>
-              <a:rPr lang="en-US" sz="2000" dirty="0"/>
-              <a:t> </a:t>
-            </a:r>
-            <a:r>
-              <a:rPr lang="ru-RU" sz="2000" dirty="0"/>
-              <a:t>рассчитывается как </a:t>
-            </a:r>
-            <a:r>
-              <a:rPr lang="en-US" sz="2000" dirty="0" err="1"/>
-              <a:t>P_th</a:t>
-            </a:r>
-            <a:r>
-              <a:rPr lang="en-US" sz="2000" dirty="0"/>
-              <a:t>/2 – </a:t>
-            </a:r>
-            <a:r>
-              <a:rPr lang="ru-RU" sz="2000" dirty="0" err="1"/>
-              <a:t>ый</a:t>
-            </a:r>
-            <a:r>
-              <a:rPr lang="ru-RU" sz="2000" dirty="0"/>
-              <a:t> перцентиль распределения Стьюдента</a:t>
-            </a:r>
-            <a:r>
-              <a:rPr lang="en-US" sz="2000" dirty="0"/>
-              <a:t> </a:t>
-            </a:r>
-            <a:r>
-              <a:rPr lang="ru-RU" sz="2000" dirty="0"/>
-              <a:t>с </a:t>
-            </a:r>
-            <a:r>
-              <a:rPr lang="en-US" sz="2000" dirty="0"/>
-              <a:t>N</a:t>
-            </a:r>
-            <a:r>
-              <a:rPr lang="ru-RU" sz="2000" dirty="0"/>
-              <a:t> </a:t>
-            </a:r>
-            <a:r>
-              <a:rPr lang="en-US" sz="2000" dirty="0"/>
-              <a:t>– 2 </a:t>
-            </a:r>
-            <a:r>
-              <a:rPr lang="ru-RU" sz="2000" dirty="0"/>
-              <a:t>степенями свободы</a:t>
-            </a:r>
-            <a:r>
-              <a:rPr lang="en-US" sz="2000" dirty="0"/>
-              <a:t>, </a:t>
-            </a:r>
-            <a:r>
-              <a:rPr lang="ru-RU" sz="2000" dirty="0"/>
-              <a:t>где </a:t>
-            </a:r>
-            <a:r>
-              <a:rPr lang="en-US" sz="2000" dirty="0"/>
-              <a:t>N – </a:t>
-            </a:r>
-            <a:r>
-              <a:rPr lang="ru-RU" sz="2000" dirty="0"/>
-              <a:t>количество объектов</a:t>
-            </a:r>
-            <a:r>
-              <a:rPr lang="en-US" sz="2000" dirty="0"/>
-              <a:t>.</a:t>
-            </a:r>
-          </a:p>
-          <a:p>
-            <a:r>
-              <a:rPr lang="en-US" sz="2000" dirty="0" err="1"/>
-              <a:t>P_th</a:t>
-            </a:r>
-            <a:r>
-              <a:rPr lang="en-US" sz="2000" dirty="0"/>
-              <a:t> </a:t>
-            </a:r>
-            <a:r>
-              <a:rPr lang="ru-RU" sz="2000" dirty="0"/>
-              <a:t>является входным параметром</a:t>
-            </a:r>
-          </a:p>
-        </p:txBody>
-      </p:sp>
+      <mc:AlternateContent xmlns:mc="http://schemas.openxmlformats.org/markup-compatibility/2006" xmlns:a14="http://schemas.microsoft.com/office/drawing/2010/main">
+        <mc:Choice Requires="a14">
+          <p:sp>
+            <p:nvSpPr>
+              <p:cNvPr id="4" name="Текст 3">
+                <a:extLst>
+                  <a:ext uri="{FF2B5EF4-FFF2-40B4-BE49-F238E27FC236}">
+                    <a16:creationId xmlns:a16="http://schemas.microsoft.com/office/drawing/2014/main" id="{F47F7E62-7DC2-AC80-75A3-5A41BE66DA7B}"/>
+                  </a:ext>
+                </a:extLst>
+              </p:cNvPr>
+              <p:cNvSpPr>
+                <a:spLocks noGrp="1"/>
+              </p:cNvSpPr>
+              <p:nvPr>
+                <p:ph type="body" sz="quarter" idx="12"/>
+              </p:nvPr>
+            </p:nvSpPr>
+            <p:spPr>
+              <a:xfrm>
+                <a:off x="538001" y="2238092"/>
+                <a:ext cx="5373189" cy="4079003"/>
+              </a:xfrm>
+            </p:spPr>
+            <p:txBody>
+              <a:bodyPr>
+                <a:normAutofit/>
+              </a:bodyPr>
+              <a:lstStyle/>
+              <a:p>
+                <a:r>
+                  <a:rPr lang="ru-RU" sz="2000" dirty="0"/>
+                  <a:t>На данном шаге происходит отбор признаков</a:t>
+                </a:r>
+                <a:r>
+                  <a:rPr lang="en-US" sz="2000" dirty="0"/>
+                  <a:t>, </a:t>
+                </a:r>
+                <a:r>
+                  <a:rPr lang="ru-RU" sz="2000" dirty="0"/>
+                  <a:t>оказывающих наибольшее влияние на полученное разбиение</a:t>
+                </a:r>
+                <a:r>
+                  <a:rPr lang="en-US" sz="2000" dirty="0"/>
+                  <a:t>, </a:t>
+                </a:r>
+                <a:r>
+                  <a:rPr lang="ru-RU" sz="2000" dirty="0"/>
+                  <a:t>с использованием </a:t>
+                </a:r>
+                <a:r>
+                  <a:rPr lang="en-US" sz="2000" dirty="0"/>
+                  <a:t>t-</a:t>
+                </a:r>
+                <a:r>
+                  <a:rPr lang="ru-RU" sz="2000" dirty="0"/>
+                  <a:t>статистики</a:t>
+                </a:r>
+                <a:r>
+                  <a:rPr lang="en-US" sz="2000" dirty="0"/>
+                  <a:t>. </a:t>
+                </a:r>
+                <a:endParaRPr lang="ru-RU" sz="2000" dirty="0"/>
+              </a:p>
+              <a:p>
+                <a:r>
+                  <a:rPr lang="ru-RU" sz="2000" dirty="0"/>
+                  <a:t>Те фичи</a:t>
+                </a:r>
+                <a:r>
+                  <a:rPr lang="en-US" sz="2000" dirty="0"/>
+                  <a:t>, t-</a:t>
+                </a:r>
+                <a:r>
+                  <a:rPr lang="ru-RU" sz="2000" dirty="0"/>
+                  <a:t>статистика которых больше полученного порога </a:t>
+                </a:r>
+                <a14:m>
+                  <m:oMath xmlns:m="http://schemas.openxmlformats.org/officeDocument/2006/math">
+                    <m:sSub>
+                      <m:sSubPr>
+                        <m:ctrlPr>
+                          <a:rPr lang="en-US" sz="2000" b="0" i="1" smtClean="0">
+                            <a:latin typeface="Cambria Math" panose="02040503050406030204" pitchFamily="18" charset="0"/>
+                          </a:rPr>
+                        </m:ctrlPr>
+                      </m:sSubPr>
+                      <m:e>
+                        <m:r>
+                          <a:rPr lang="en-US" sz="2000" b="0" i="1" smtClean="0">
+                            <a:latin typeface="Cambria Math" panose="02040503050406030204" pitchFamily="18" charset="0"/>
+                          </a:rPr>
+                          <m:t>𝑇</m:t>
+                        </m:r>
+                      </m:e>
+                      <m:sub>
+                        <m:r>
+                          <a:rPr lang="en-US" sz="2000" b="0" i="1" smtClean="0">
+                            <a:latin typeface="Cambria Math" panose="02040503050406030204" pitchFamily="18" charset="0"/>
+                          </a:rPr>
+                          <m:t>𝑡h</m:t>
+                        </m:r>
+                      </m:sub>
+                    </m:sSub>
+                  </m:oMath>
+                </a14:m>
+                <a:r>
+                  <a:rPr lang="en-US" sz="2000" dirty="0"/>
+                  <a:t> </a:t>
+                </a:r>
+                <a:r>
+                  <a:rPr lang="ru-RU" sz="2000" dirty="0"/>
+                  <a:t>остаются на следующую итерацию</a:t>
+                </a:r>
+                <a:r>
+                  <a:rPr lang="en-US" sz="2000" dirty="0"/>
+                  <a:t>.</a:t>
+                </a:r>
+                <a:endParaRPr lang="ru-RU" sz="2000" dirty="0"/>
+              </a:p>
+              <a:p>
+                <a14:m>
+                  <m:oMath xmlns:m="http://schemas.openxmlformats.org/officeDocument/2006/math">
+                    <m:sSub>
+                      <m:sSubPr>
+                        <m:ctrlPr>
+                          <a:rPr lang="en-US" sz="2000" b="0" i="1" smtClean="0">
+                            <a:latin typeface="Cambria Math" panose="02040503050406030204" pitchFamily="18" charset="0"/>
+                          </a:rPr>
+                        </m:ctrlPr>
+                      </m:sSubPr>
+                      <m:e>
+                        <m:r>
+                          <a:rPr lang="en-US" sz="2000" b="0" i="1" smtClean="0">
+                            <a:latin typeface="Cambria Math" panose="02040503050406030204" pitchFamily="18" charset="0"/>
+                          </a:rPr>
+                          <m:t>𝑇</m:t>
+                        </m:r>
+                      </m:e>
+                      <m:sub>
+                        <m:r>
+                          <a:rPr lang="en-US" sz="2000" b="0" i="1" smtClean="0">
+                            <a:latin typeface="Cambria Math" panose="02040503050406030204" pitchFamily="18" charset="0"/>
+                          </a:rPr>
+                          <m:t>𝑡h</m:t>
+                        </m:r>
+                      </m:sub>
+                    </m:sSub>
+                  </m:oMath>
+                </a14:m>
+                <a:r>
+                  <a:rPr lang="en-US" sz="2000" dirty="0"/>
+                  <a:t> </a:t>
+                </a:r>
+                <a:r>
+                  <a:rPr lang="ru-RU" sz="2000" dirty="0"/>
+                  <a:t>рассчитывается как </a:t>
+                </a:r>
+                <a14:m>
+                  <m:oMath xmlns:m="http://schemas.openxmlformats.org/officeDocument/2006/math">
+                    <m:sSub>
+                      <m:sSubPr>
+                        <m:ctrlPr>
+                          <a:rPr lang="en-US" sz="2000" i="1">
+                            <a:latin typeface="Cambria Math" panose="02040503050406030204" pitchFamily="18" charset="0"/>
+                          </a:rPr>
+                        </m:ctrlPr>
+                      </m:sSubPr>
+                      <m:e>
+                        <m:r>
+                          <a:rPr lang="en-US" sz="2000" b="0" i="1" smtClean="0">
+                            <a:latin typeface="Cambria Math" panose="02040503050406030204" pitchFamily="18" charset="0"/>
+                          </a:rPr>
+                          <m:t>𝑃</m:t>
+                        </m:r>
+                      </m:e>
+                      <m:sub>
+                        <m:r>
+                          <a:rPr lang="en-US" sz="2000" i="1">
+                            <a:latin typeface="Cambria Math" panose="02040503050406030204" pitchFamily="18" charset="0"/>
+                          </a:rPr>
+                          <m:t>𝑡h</m:t>
+                        </m:r>
+                      </m:sub>
+                    </m:sSub>
+                    <m:r>
+                      <a:rPr lang="en-US" sz="2000" b="0" i="1" smtClean="0">
+                        <a:latin typeface="Cambria Math" panose="02040503050406030204" pitchFamily="18" charset="0"/>
+                      </a:rPr>
+                      <m:t>/2</m:t>
+                    </m:r>
+                  </m:oMath>
+                </a14:m>
+                <a:r>
+                  <a:rPr lang="en-US" sz="2000" dirty="0"/>
+                  <a:t> – </a:t>
+                </a:r>
+                <a:r>
+                  <a:rPr lang="ru-RU" sz="2000" dirty="0" err="1"/>
+                  <a:t>ый</a:t>
+                </a:r>
+                <a:r>
+                  <a:rPr lang="ru-RU" sz="2000" dirty="0"/>
+                  <a:t> перцентиль распределения Стьюдента</a:t>
+                </a:r>
+                <a:r>
+                  <a:rPr lang="en-US" sz="2000" dirty="0"/>
+                  <a:t> </a:t>
+                </a:r>
+                <a:r>
+                  <a:rPr lang="ru-RU" sz="2000" dirty="0"/>
+                  <a:t>с </a:t>
+                </a:r>
+                <a:r>
+                  <a:rPr lang="en-US" sz="2000" dirty="0"/>
+                  <a:t>N</a:t>
+                </a:r>
+                <a:r>
+                  <a:rPr lang="ru-RU" sz="2000" dirty="0"/>
+                  <a:t> </a:t>
+                </a:r>
+                <a:r>
+                  <a:rPr lang="en-US" sz="2000" dirty="0"/>
+                  <a:t>– 2 </a:t>
+                </a:r>
+                <a:r>
+                  <a:rPr lang="ru-RU" sz="2000" dirty="0"/>
+                  <a:t>степенями свободы</a:t>
+                </a:r>
+                <a:r>
+                  <a:rPr lang="en-US" sz="2000" dirty="0"/>
+                  <a:t>, </a:t>
+                </a:r>
+                <a:r>
+                  <a:rPr lang="ru-RU" sz="2000" dirty="0"/>
+                  <a:t>где </a:t>
+                </a:r>
+                <a:r>
+                  <a:rPr lang="en-US" sz="2000" dirty="0"/>
+                  <a:t>N – </a:t>
+                </a:r>
+                <a:r>
+                  <a:rPr lang="ru-RU" sz="2000" dirty="0"/>
+                  <a:t>количество объектов</a:t>
+                </a:r>
+                <a:r>
+                  <a:rPr lang="en-US" sz="2000" dirty="0"/>
+                  <a:t>.</a:t>
+                </a:r>
+              </a:p>
+              <a:p>
+                <a14:m>
+                  <m:oMath xmlns:m="http://schemas.openxmlformats.org/officeDocument/2006/math">
+                    <m:sSub>
+                      <m:sSubPr>
+                        <m:ctrlPr>
+                          <a:rPr lang="en-US" sz="2000" b="0" i="1" smtClean="0">
+                            <a:latin typeface="Cambria Math" panose="02040503050406030204" pitchFamily="18" charset="0"/>
+                          </a:rPr>
+                        </m:ctrlPr>
+                      </m:sSubPr>
+                      <m:e>
+                        <m:r>
+                          <a:rPr lang="en-US" sz="2000" b="0" i="1" smtClean="0">
+                            <a:latin typeface="Cambria Math" panose="02040503050406030204" pitchFamily="18" charset="0"/>
+                          </a:rPr>
+                          <m:t>𝑃</m:t>
+                        </m:r>
+                      </m:e>
+                      <m:sub>
+                        <m:r>
+                          <a:rPr lang="en-US" sz="2000" b="0" i="1" smtClean="0">
+                            <a:latin typeface="Cambria Math" panose="02040503050406030204" pitchFamily="18" charset="0"/>
+                          </a:rPr>
+                          <m:t>𝑡h</m:t>
+                        </m:r>
+                      </m:sub>
+                    </m:sSub>
+                  </m:oMath>
+                </a14:m>
+                <a:r>
+                  <a:rPr lang="en-US" sz="2000" dirty="0"/>
+                  <a:t> </a:t>
+                </a:r>
+                <a:r>
+                  <a:rPr lang="ru-RU" sz="2000" dirty="0"/>
+                  <a:t>является входным параметром</a:t>
+                </a:r>
+              </a:p>
+            </p:txBody>
+          </p:sp>
+        </mc:Choice>
+        <mc:Fallback xmlns="">
+          <p:sp>
+            <p:nvSpPr>
+              <p:cNvPr id="4" name="Текст 3">
+                <a:extLst>
+                  <a:ext uri="{FF2B5EF4-FFF2-40B4-BE49-F238E27FC236}">
+                    <a16:creationId xmlns:a16="http://schemas.microsoft.com/office/drawing/2014/main" id="{F47F7E62-7DC2-AC80-75A3-5A41BE66DA7B}"/>
+                  </a:ext>
+                </a:extLst>
+              </p:cNvPr>
+              <p:cNvSpPr>
+                <a:spLocks noGrp="1" noRot="1" noChangeAspect="1" noMove="1" noResize="1" noEditPoints="1" noAdjustHandles="1" noChangeArrowheads="1" noChangeShapeType="1" noTextEdit="1"/>
+              </p:cNvSpPr>
+              <p:nvPr>
+                <p:ph type="body" sz="quarter" idx="12"/>
+              </p:nvPr>
+            </p:nvSpPr>
+            <p:spPr>
+              <a:xfrm>
+                <a:off x="538001" y="2238092"/>
+                <a:ext cx="5373189" cy="4079003"/>
+              </a:xfrm>
+              <a:blipFill>
+                <a:blip r:embed="rId2"/>
+                <a:stretch>
+                  <a:fillRect l="-2834" t="-1943" r="-1587"/>
+                </a:stretch>
+              </a:blipFill>
+            </p:spPr>
+            <p:txBody>
+              <a:bodyPr/>
+              <a:lstStyle/>
+              <a:p>
+                <a:r>
+                  <a:rPr lang="ru-RU">
+                    <a:noFill/>
+                  </a:rPr>
+                  <a:t> </a:t>
+                </a:r>
+              </a:p>
+            </p:txBody>
+          </p:sp>
+        </mc:Fallback>
+      </mc:AlternateContent>
       <p:sp>
         <p:nvSpPr>
           <p:cNvPr id="5" name="Текст 4">
@@ -16056,7 +16617,7 @@
           <p:nvPr/>
         </p:nvPicPr>
         <p:blipFill>
-          <a:blip r:embed="rId2">
+          <a:blip r:embed="rId3">
             <a:extLst>
               <a:ext uri="{28A0092B-C50C-407E-A947-70E740481C1C}">
                 <a14:useLocalDpi xmlns:a14="http://schemas.microsoft.com/office/drawing/2010/main" val="0"/>
@@ -16140,7 +16701,7 @@
         </p:blipFill>
         <p:spPr>
           <a:xfrm>
-            <a:off x="5615098" y="1446094"/>
+            <a:off x="5615098" y="1458794"/>
             <a:ext cx="6351814" cy="5081451"/>
           </a:xfrm>
           <a:prstGeom prst="rect">
@@ -16216,19 +16777,19 @@
             </a:r>
             <a:r>
               <a:rPr lang="en-US" sz="2000" dirty="0"/>
-              <a:t>.</a:t>
+              <a:t>, </a:t>
             </a:r>
             <a:r>
               <a:rPr lang="ru-RU" sz="2000" dirty="0"/>
-              <a:t> Для увеличения числа признаков мы добавили зашумленные </a:t>
+              <a:t>двух зашумленных </a:t>
             </a:r>
             <a:r>
               <a:rPr lang="ru-RU" sz="2000" dirty="0" err="1"/>
-              <a:t>таргеты</a:t>
+              <a:t>таргетов</a:t>
             </a:r>
             <a:r>
               <a:rPr lang="ru-RU" sz="2000" dirty="0"/>
-              <a:t> и колонки с шумом</a:t>
+              <a:t> и шумовых признаков</a:t>
             </a:r>
             <a:r>
               <a:rPr lang="en-US" sz="2000" dirty="0"/>
@@ -16237,6 +16798,24 @@
             <a:r>
               <a:rPr lang="ru-RU" sz="2000" dirty="0"/>
               <a:t>Общее количество признаков – 100</a:t>
+            </a:r>
+            <a:r>
+              <a:rPr lang="en-US" sz="2000" dirty="0"/>
+              <a:t>.</a:t>
+            </a:r>
+          </a:p>
+          <a:p>
+            <a:r>
+              <a:rPr lang="ru-RU" sz="2000" dirty="0"/>
+              <a:t>Все построения графиков выполнялись на 2</a:t>
+            </a:r>
+            <a:r>
+              <a:rPr lang="en-US" sz="2000" dirty="0"/>
+              <a:t>D </a:t>
+            </a:r>
+            <a:r>
+              <a:rPr lang="ru-RU" sz="2000" dirty="0"/>
+              <a:t>плоскости с использованием только двух переменных</a:t>
             </a:r>
             <a:r>
               <a:rPr lang="en-US" sz="2000" dirty="0"/>
@@ -16377,83 +16956,258 @@
           </a:p>
         </p:txBody>
       </p:sp>
-      <p:sp>
-        <p:nvSpPr>
-          <p:cNvPr id="4" name="Текст 3">
-            <a:extLst>
-              <a:ext uri="{FF2B5EF4-FFF2-40B4-BE49-F238E27FC236}">
-                <a16:creationId xmlns:a16="http://schemas.microsoft.com/office/drawing/2014/main" id="{F47F7E62-7DC2-AC80-75A3-5A41BE66DA7B}"/>
-              </a:ext>
-            </a:extLst>
-          </p:cNvPr>
-          <p:cNvSpPr>
-            <a:spLocks noGrp="1"/>
-          </p:cNvSpPr>
-          <p:nvPr>
-            <p:ph type="body" sz="quarter" idx="12"/>
-          </p:nvPr>
-        </p:nvSpPr>
-        <p:spPr>
-          <a:xfrm>
-            <a:off x="538001" y="1947319"/>
-            <a:ext cx="5373189" cy="4079003"/>
-          </a:xfrm>
-        </p:spPr>
-        <p:txBody>
-          <a:bodyPr>
-            <a:normAutofit/>
-          </a:bodyPr>
-          <a:lstStyle/>
-          <a:p>
-            <a:r>
-              <a:rPr lang="ru-RU" sz="2000" dirty="0"/>
-              <a:t>Мы получили идентичную кластеризацию</a:t>
-            </a:r>
-            <a:r>
-              <a:rPr lang="en-US" sz="2000" dirty="0"/>
-              <a:t>….</a:t>
-            </a:r>
-          </a:p>
-          <a:p>
-            <a:r>
-              <a:rPr lang="ru-RU" sz="2000" dirty="0"/>
-              <a:t>Группы признаков</a:t>
-            </a:r>
-            <a:r>
-              <a:rPr lang="en-US" sz="2000" dirty="0"/>
-              <a:t>:</a:t>
-            </a:r>
-          </a:p>
-          <a:p>
-            <a:r>
-              <a:rPr lang="en-US" sz="2000" dirty="0"/>
-              <a:t>F1 = …</a:t>
-            </a:r>
-          </a:p>
-          <a:p>
-            <a:r>
-              <a:rPr lang="en-US" sz="2000" dirty="0"/>
-              <a:t>F2 = …</a:t>
-            </a:r>
-          </a:p>
-          <a:p>
-            <a:r>
-              <a:rPr lang="en-US" sz="2000" dirty="0"/>
-              <a:t>F3 = …</a:t>
-            </a:r>
-            <a:endParaRPr lang="ru-RU" sz="2000" dirty="0"/>
-          </a:p>
-          <a:p>
-            <a:endParaRPr lang="en-US" sz="2000" dirty="0"/>
-          </a:p>
-          <a:p>
-            <a:endParaRPr lang="en-US" sz="2000" dirty="0"/>
-          </a:p>
-          <a:p>
-            <a:endParaRPr lang="en-US" sz="2000" dirty="0"/>
-          </a:p>
-        </p:txBody>
-      </p:sp>
+      <mc:AlternateContent xmlns:mc="http://schemas.openxmlformats.org/markup-compatibility/2006" xmlns:a14="http://schemas.microsoft.com/office/drawing/2010/main">
+        <mc:Choice Requires="a14">
+          <p:sp>
+            <p:nvSpPr>
+              <p:cNvPr id="4" name="Текст 3">
+                <a:extLst>
+                  <a:ext uri="{FF2B5EF4-FFF2-40B4-BE49-F238E27FC236}">
+                    <a16:creationId xmlns:a16="http://schemas.microsoft.com/office/drawing/2014/main" id="{F47F7E62-7DC2-AC80-75A3-5A41BE66DA7B}"/>
+                  </a:ext>
+                </a:extLst>
+              </p:cNvPr>
+              <p:cNvSpPr>
+                <a:spLocks noGrp="1"/>
+              </p:cNvSpPr>
+              <p:nvPr>
+                <p:ph type="body" sz="quarter" idx="12"/>
+              </p:nvPr>
+            </p:nvSpPr>
+            <p:spPr>
+              <a:xfrm>
+                <a:off x="538001" y="1960019"/>
+                <a:ext cx="5373189" cy="4079003"/>
+              </a:xfrm>
+            </p:spPr>
+            <p:txBody>
+              <a:bodyPr>
+                <a:normAutofit fontScale="92500"/>
+              </a:bodyPr>
+              <a:lstStyle/>
+              <a:p>
+                <a:r>
+                  <a:rPr lang="ru-RU" sz="2000" dirty="0"/>
+                  <a:t>Запустив алгоритм на данных признаках</a:t>
+                </a:r>
+                <a:r>
+                  <a:rPr lang="en-US" sz="2000" dirty="0"/>
+                  <a:t>, </a:t>
+                </a:r>
+                <a:r>
+                  <a:rPr lang="ru-RU" sz="2000" dirty="0"/>
+                  <a:t>мы получили несколько разбиений</a:t>
+                </a:r>
+                <a:r>
+                  <a:rPr lang="en-US" sz="2000" dirty="0"/>
+                  <a:t>, </a:t>
+                </a:r>
+                <a:r>
+                  <a:rPr lang="ru-RU" sz="2000" dirty="0"/>
+                  <a:t>одно из которых полностью совпало с ожидаемыми классами</a:t>
+                </a:r>
+                <a:r>
+                  <a:rPr lang="en-US" sz="2000" dirty="0"/>
+                  <a:t>.</a:t>
+                </a:r>
+              </a:p>
+              <a:p>
+                <a:r>
+                  <a:rPr lang="ru-RU" sz="2000" dirty="0"/>
+                  <a:t>Полученные разбиения</a:t>
+                </a:r>
+                <a:r>
+                  <a:rPr lang="en-US" sz="2000" dirty="0"/>
+                  <a:t>:</a:t>
+                </a:r>
+              </a:p>
+              <a:p>
+                <a14:m>
+                  <m:oMath xmlns:m="http://schemas.openxmlformats.org/officeDocument/2006/math">
+                    <m:sSub>
+                      <m:sSubPr>
+                        <m:ctrlPr>
+                          <a:rPr lang="en-US" sz="2000" b="0" i="1" smtClean="0">
+                            <a:latin typeface="Cambria Math" panose="02040503050406030204" pitchFamily="18" charset="0"/>
+                          </a:rPr>
+                        </m:ctrlPr>
+                      </m:sSubPr>
+                      <m:e>
+                        <m:r>
+                          <a:rPr lang="en-US" sz="2000" b="0" i="1" smtClean="0">
+                            <a:latin typeface="Cambria Math" panose="02040503050406030204" pitchFamily="18" charset="0"/>
+                          </a:rPr>
+                          <m:t>𝐹</m:t>
+                        </m:r>
+                      </m:e>
+                      <m:sub>
+                        <m:r>
+                          <a:rPr lang="en-US" sz="2000" b="0" i="1" smtClean="0">
+                            <a:latin typeface="Cambria Math" panose="02040503050406030204" pitchFamily="18" charset="0"/>
+                          </a:rPr>
+                          <m:t>1</m:t>
+                        </m:r>
+                      </m:sub>
+                    </m:sSub>
+                  </m:oMath>
+                </a14:m>
+                <a:r>
+                  <a:rPr lang="en-US" sz="2000" dirty="0"/>
+                  <a:t> = 2, 3 – </a:t>
+                </a:r>
+                <a:r>
+                  <a:rPr lang="ru-RU" sz="2000" dirty="0"/>
+                  <a:t>зашумленные </a:t>
+                </a:r>
+                <a:r>
+                  <a:rPr lang="ru-RU" sz="2000" dirty="0" err="1"/>
+                  <a:t>таргеты</a:t>
+                </a:r>
+                <a:endParaRPr lang="en-US" sz="2000" dirty="0"/>
+              </a:p>
+              <a:p>
+                <a14:m>
+                  <m:oMath xmlns:m="http://schemas.openxmlformats.org/officeDocument/2006/math">
+                    <m:sSub>
+                      <m:sSubPr>
+                        <m:ctrlPr>
+                          <a:rPr lang="en-US" sz="2000" b="0" i="1" smtClean="0">
+                            <a:latin typeface="Cambria Math" panose="02040503050406030204" pitchFamily="18" charset="0"/>
+                          </a:rPr>
+                        </m:ctrlPr>
+                      </m:sSubPr>
+                      <m:e>
+                        <m:r>
+                          <a:rPr lang="en-US" sz="2000" b="0" i="1" smtClean="0">
+                            <a:latin typeface="Cambria Math" panose="02040503050406030204" pitchFamily="18" charset="0"/>
+                          </a:rPr>
+                          <m:t>𝐹</m:t>
+                        </m:r>
+                      </m:e>
+                      <m:sub>
+                        <m:r>
+                          <a:rPr lang="en-US" sz="2000" b="0" i="1" smtClean="0">
+                            <a:latin typeface="Cambria Math" panose="02040503050406030204" pitchFamily="18" charset="0"/>
+                          </a:rPr>
+                          <m:t>2</m:t>
+                        </m:r>
+                      </m:sub>
+                    </m:sSub>
+                  </m:oMath>
+                </a14:m>
+                <a:r>
+                  <a:rPr lang="en-US" sz="2000" dirty="0"/>
+                  <a:t> = 0, 1, 50, 66</a:t>
+                </a:r>
+                <a:r>
+                  <a:rPr lang="ru-RU" sz="2000" dirty="0"/>
+                  <a:t> – </a:t>
+                </a:r>
+                <a:r>
+                  <a:rPr lang="ru-RU" sz="2000" dirty="0" err="1"/>
+                  <a:t>таргеты</a:t>
+                </a:r>
+                <a:r>
+                  <a:rPr lang="ru-RU" sz="2000" dirty="0"/>
+                  <a:t> и два шума</a:t>
+                </a:r>
+                <a:endParaRPr lang="en-US" sz="2000" dirty="0"/>
+              </a:p>
+              <a:p>
+                <a14:m>
+                  <m:oMath xmlns:m="http://schemas.openxmlformats.org/officeDocument/2006/math">
+                    <m:sSub>
+                      <m:sSubPr>
+                        <m:ctrlPr>
+                          <a:rPr lang="en-US" sz="2000" b="0" i="1" smtClean="0">
+                            <a:latin typeface="Cambria Math" panose="02040503050406030204" pitchFamily="18" charset="0"/>
+                          </a:rPr>
+                        </m:ctrlPr>
+                      </m:sSubPr>
+                      <m:e>
+                        <m:r>
+                          <a:rPr lang="en-US" sz="2000" b="0" i="1" smtClean="0">
+                            <a:latin typeface="Cambria Math" panose="02040503050406030204" pitchFamily="18" charset="0"/>
+                          </a:rPr>
+                          <m:t>𝐹</m:t>
+                        </m:r>
+                      </m:e>
+                      <m:sub>
+                        <m:r>
+                          <a:rPr lang="en-US" sz="2000" b="0" i="1" smtClean="0">
+                            <a:latin typeface="Cambria Math" panose="02040503050406030204" pitchFamily="18" charset="0"/>
+                          </a:rPr>
+                          <m:t>3</m:t>
+                        </m:r>
+                      </m:sub>
+                    </m:sSub>
+                  </m:oMath>
+                </a14:m>
+                <a:r>
+                  <a:rPr lang="en-US" sz="2000" dirty="0"/>
+                  <a:t> = 40, 80, 81</a:t>
+                </a:r>
+                <a:r>
+                  <a:rPr lang="ru-RU" sz="2000" dirty="0"/>
+                  <a:t> – шумы</a:t>
+                </a:r>
+              </a:p>
+              <a:p>
+                <a:endParaRPr lang="en-US" sz="2000" dirty="0"/>
+              </a:p>
+              <a:p>
+                <a:endParaRPr lang="en-US" sz="2000" dirty="0"/>
+              </a:p>
+              <a:p>
+                <a:endParaRPr lang="en-US" sz="2000" dirty="0"/>
+              </a:p>
+            </p:txBody>
+          </p:sp>
+        </mc:Choice>
+        <mc:Fallback xmlns="">
+          <p:sp>
+            <p:nvSpPr>
+              <p:cNvPr id="4" name="Текст 3">
+                <a:extLst>
+                  <a:ext uri="{FF2B5EF4-FFF2-40B4-BE49-F238E27FC236}">
+                    <a16:creationId xmlns:a16="http://schemas.microsoft.com/office/drawing/2014/main" id="{F47F7E62-7DC2-AC80-75A3-5A41BE66DA7B}"/>
+                  </a:ext>
+                </a:extLst>
+              </p:cNvPr>
+              <p:cNvSpPr>
+                <a:spLocks noGrp="1" noRot="1" noChangeAspect="1" noMove="1" noResize="1" noEditPoints="1" noAdjustHandles="1" noChangeArrowheads="1" noChangeShapeType="1" noTextEdit="1"/>
+              </p:cNvSpPr>
+              <p:nvPr>
+                <p:ph type="body" sz="quarter" idx="12"/>
+              </p:nvPr>
+            </p:nvSpPr>
+            <p:spPr>
+              <a:xfrm>
+                <a:off x="538001" y="1960019"/>
+                <a:ext cx="5373189" cy="4079003"/>
+              </a:xfrm>
+              <a:blipFill>
+                <a:blip r:embed="rId3"/>
+                <a:stretch>
+                  <a:fillRect l="-2830" t="-1863"/>
+                </a:stretch>
+              </a:blipFill>
+            </p:spPr>
+            <p:txBody>
+              <a:bodyPr/>
+              <a:lstStyle/>
+              <a:p>
+                <a:r>
+                  <a:rPr lang="en-RU">
+                    <a:noFill/>
+                  </a:rPr>
+                  <a:t> </a:t>
+                </a:r>
+              </a:p>
+            </p:txBody>
+          </p:sp>
+        </mc:Fallback>
+      </mc:AlternateContent>
       <p:sp>
         <p:nvSpPr>
           <p:cNvPr id="5" name="Текст 4">
@@ -17101,22 +17855,308 @@
 </a:theme>
 </file>
 
-<file path=customXml/item1.xml><?xml version="1.0" encoding="utf-8"?>
-<?mso-contentType ?>
-<FormTemplates xmlns="http://schemas.microsoft.com/sharepoint/v3/contenttype/forms">
-  <Display>DocumentLibraryForm</Display>
-  <Edit>DocumentLibraryForm</Edit>
-  <New>DocumentLibraryForm</New>
-</FormTemplates>
+<file path=ppt/theme/theme3.xml><?xml version="1.0" encoding="utf-8"?>
+<a:theme xmlns:a="http://schemas.openxmlformats.org/drawingml/2006/main" name="Тема Office">
+  <a:themeElements>
+    <a:clrScheme name="Стандартная">
+      <a:dk1>
+        <a:sysClr val="windowText" lastClr="000000"/>
+      </a:dk1>
+      <a:lt1>
+        <a:sysClr val="window" lastClr="FFFFFF"/>
+      </a:lt1>
+      <a:dk2>
+        <a:srgbClr val="44546A"/>
+      </a:dk2>
+      <a:lt2>
+        <a:srgbClr val="E7E6E6"/>
+      </a:lt2>
+      <a:accent1>
+        <a:srgbClr val="4472C4"/>
+      </a:accent1>
+      <a:accent2>
+        <a:srgbClr val="ED7D31"/>
+      </a:accent2>
+      <a:accent3>
+        <a:srgbClr val="A5A5A5"/>
+      </a:accent3>
+      <a:accent4>
+        <a:srgbClr val="FFC000"/>
+      </a:accent4>
+      <a:accent5>
+        <a:srgbClr val="5B9BD5"/>
+      </a:accent5>
+      <a:accent6>
+        <a:srgbClr val="70AD47"/>
+      </a:accent6>
+      <a:hlink>
+        <a:srgbClr val="0563C1"/>
+      </a:hlink>
+      <a:folHlink>
+        <a:srgbClr val="954F72"/>
+      </a:folHlink>
+    </a:clrScheme>
+    <a:fontScheme name="Стандартная">
+      <a:majorFont>
+        <a:latin typeface="Calibri Light" panose="020F0302020204030204"/>
+        <a:ea typeface=""/>
+        <a:cs typeface=""/>
+        <a:font script="Jpan" typeface="游ゴシック Light"/>
+        <a:font script="Hang" typeface="맑은 고딕"/>
+        <a:font script="Hans" typeface="等线 Light"/>
+        <a:font script="Hant" typeface="新細明體"/>
+        <a:font script="Arab" typeface="Times New Roman"/>
+        <a:font script="Hebr" typeface="Times New Roman"/>
+        <a:font script="Thai" typeface="Angsana New"/>
+        <a:font script="Ethi" typeface="Nyala"/>
+        <a:font script="Beng" typeface="Vrinda"/>
+        <a:font script="Gujr" typeface="Shruti"/>
+        <a:font script="Khmr" typeface="MoolBoran"/>
+        <a:font script="Knda" typeface="Tunga"/>
+        <a:font script="Guru" typeface="Raavi"/>
+        <a:font script="Cans" typeface="Euphemia"/>
+        <a:font script="Cher" typeface="Plantagenet Cherokee"/>
+        <a:font script="Yiii" typeface="Microsoft Yi Baiti"/>
+        <a:font script="Tibt" typeface="Microsoft Himalaya"/>
+        <a:font script="Thaa" typeface="MV Boli"/>
+        <a:font script="Deva" typeface="Mangal"/>
+        <a:font script="Telu" typeface="Gautami"/>
+        <a:font script="Taml" typeface="Latha"/>
+        <a:font script="Syrc" typeface="Estrangelo Edessa"/>
+        <a:font script="Orya" typeface="Kalinga"/>
+        <a:font script="Mlym" typeface="Kartika"/>
+        <a:font script="Laoo" typeface="DokChampa"/>
+        <a:font script="Sinh" typeface="Iskoola Pota"/>
+        <a:font script="Mong" typeface="Mongolian Baiti"/>
+        <a:font script="Viet" typeface="Times New Roman"/>
+        <a:font script="Uigh" typeface="Microsoft Uighur"/>
+        <a:font script="Geor" typeface="Sylfaen"/>
+        <a:font script="Armn" typeface="Arial"/>
+        <a:font script="Bugi" typeface="Leelawadee UI"/>
+        <a:font script="Bopo" typeface="Microsoft JhengHei"/>
+        <a:font script="Java" typeface="Javanese Text"/>
+        <a:font script="Lisu" typeface="Segoe UI"/>
+        <a:font script="Mymr" typeface="Myanmar Text"/>
+        <a:font script="Nkoo" typeface="Ebrima"/>
+        <a:font script="Olck" typeface="Nirmala UI"/>
+        <a:font script="Osma" typeface="Ebrima"/>
+        <a:font script="Phag" typeface="Phagspa"/>
+        <a:font script="Syrn" typeface="Estrangelo Edessa"/>
+        <a:font script="Syrj" typeface="Estrangelo Edessa"/>
+        <a:font script="Syre" typeface="Estrangelo Edessa"/>
+        <a:font script="Sora" typeface="Nirmala UI"/>
+        <a:font script="Tale" typeface="Microsoft Tai Le"/>
+        <a:font script="Talu" typeface="Microsoft New Tai Lue"/>
+        <a:font script="Tfng" typeface="Ebrima"/>
+      </a:majorFont>
+      <a:minorFont>
+        <a:latin typeface="Calibri" panose="020F0502020204030204"/>
+        <a:ea typeface=""/>
+        <a:cs typeface=""/>
+        <a:font script="Jpan" typeface="游ゴシック"/>
+        <a:font script="Hang" typeface="맑은 고딕"/>
+        <a:font script="Hans" typeface="等线"/>
+        <a:font script="Hant" typeface="新細明體"/>
+        <a:font script="Arab" typeface="Arial"/>
+        <a:font script="Hebr" typeface="Arial"/>
+        <a:font script="Thai" typeface="Cordia New"/>
+        <a:font script="Ethi" typeface="Nyala"/>
+        <a:font script="Beng" typeface="Vrinda"/>
+        <a:font script="Gujr" typeface="Shruti"/>
+        <a:font script="Khmr" typeface="DaunPenh"/>
+        <a:font script="Knda" typeface="Tunga"/>
+        <a:font script="Guru" typeface="Raavi"/>
+        <a:font script="Cans" typeface="Euphemia"/>
+        <a:font script="Cher" typeface="Plantagenet Cherokee"/>
+        <a:font script="Yiii" typeface="Microsoft Yi Baiti"/>
+        <a:font script="Tibt" typeface="Microsoft Himalaya"/>
+        <a:font script="Thaa" typeface="MV Boli"/>
+        <a:font script="Deva" typeface="Mangal"/>
+        <a:font script="Telu" typeface="Gautami"/>
+        <a:font script="Taml" typeface="Latha"/>
+        <a:font script="Syrc" typeface="Estrangelo Edessa"/>
+        <a:font script="Orya" typeface="Kalinga"/>
+        <a:font script="Mlym" typeface="Kartika"/>
+        <a:font script="Laoo" typeface="DokChampa"/>
+        <a:font script="Sinh" typeface="Iskoola Pota"/>
+        <a:font script="Mong" typeface="Mongolian Baiti"/>
+        <a:font script="Viet" typeface="Arial"/>
+        <a:font script="Uigh" typeface="Microsoft Uighur"/>
+        <a:font script="Geor" typeface="Sylfaen"/>
+        <a:font script="Armn" typeface="Arial"/>
+        <a:font script="Bugi" typeface="Leelawadee UI"/>
+        <a:font script="Bopo" typeface="Microsoft JhengHei"/>
+        <a:font script="Java" typeface="Javanese Text"/>
+        <a:font script="Lisu" typeface="Segoe UI"/>
+        <a:font script="Mymr" typeface="Myanmar Text"/>
+        <a:font script="Nkoo" typeface="Ebrima"/>
+        <a:font script="Olck" typeface="Nirmala UI"/>
+        <a:font script="Osma" typeface="Ebrima"/>
+        <a:font script="Phag" typeface="Phagspa"/>
+        <a:font script="Syrn" typeface="Estrangelo Edessa"/>
+        <a:font script="Syrj" typeface="Estrangelo Edessa"/>
+        <a:font script="Syre" typeface="Estrangelo Edessa"/>
+        <a:font script="Sora" typeface="Nirmala UI"/>
+        <a:font script="Tale" typeface="Microsoft Tai Le"/>
+        <a:font script="Talu" typeface="Microsoft New Tai Lue"/>
+        <a:font script="Tfng" typeface="Ebrima"/>
+      </a:minorFont>
+    </a:fontScheme>
+    <a:fmtScheme name="Стандартная">
+      <a:fillStyleLst>
+        <a:solidFill>
+          <a:schemeClr val="phClr"/>
+        </a:solidFill>
+        <a:gradFill rotWithShape="1">
+          <a:gsLst>
+            <a:gs pos="0">
+              <a:schemeClr val="phClr">
+                <a:lumMod val="110000"/>
+                <a:satMod val="105000"/>
+                <a:tint val="67000"/>
+              </a:schemeClr>
+            </a:gs>
+            <a:gs pos="50000">
+              <a:schemeClr val="phClr">
+                <a:lumMod val="105000"/>
+                <a:satMod val="103000"/>
+                <a:tint val="73000"/>
+              </a:schemeClr>
+            </a:gs>
+            <a:gs pos="100000">
+              <a:schemeClr val="phClr">
+                <a:lumMod val="105000"/>
+                <a:satMod val="109000"/>
+                <a:tint val="81000"/>
+              </a:schemeClr>
+            </a:gs>
+          </a:gsLst>
+          <a:lin ang="5400000" scaled="0"/>
+        </a:gradFill>
+        <a:gradFill rotWithShape="1">
+          <a:gsLst>
+            <a:gs pos="0">
+              <a:schemeClr val="phClr">
+                <a:satMod val="103000"/>
+                <a:lumMod val="102000"/>
+                <a:tint val="94000"/>
+              </a:schemeClr>
+            </a:gs>
+            <a:gs pos="50000">
+              <a:schemeClr val="phClr">
+                <a:satMod val="110000"/>
+                <a:lumMod val="100000"/>
+                <a:shade val="100000"/>
+              </a:schemeClr>
+            </a:gs>
+            <a:gs pos="100000">
+              <a:schemeClr val="phClr">
+                <a:lumMod val="99000"/>
+                <a:satMod val="120000"/>
+                <a:shade val="78000"/>
+              </a:schemeClr>
+            </a:gs>
+          </a:gsLst>
+          <a:lin ang="5400000" scaled="0"/>
+        </a:gradFill>
+      </a:fillStyleLst>
+      <a:lnStyleLst>
+        <a:ln w="6350" cap="flat" cmpd="sng" algn="ctr">
+          <a:solidFill>
+            <a:schemeClr val="phClr"/>
+          </a:solidFill>
+          <a:prstDash val="solid"/>
+          <a:miter lim="800000"/>
+        </a:ln>
+        <a:ln w="12700" cap="flat" cmpd="sng" algn="ctr">
+          <a:solidFill>
+            <a:schemeClr val="phClr"/>
+          </a:solidFill>
+          <a:prstDash val="solid"/>
+          <a:miter lim="800000"/>
+        </a:ln>
+        <a:ln w="19050" cap="flat" cmpd="sng" algn="ctr">
+          <a:solidFill>
+            <a:schemeClr val="phClr"/>
+          </a:solidFill>
+          <a:prstDash val="solid"/>
+          <a:miter lim="800000"/>
+        </a:ln>
+      </a:lnStyleLst>
+      <a:effectStyleLst>
+        <a:effectStyle>
+          <a:effectLst/>
+        </a:effectStyle>
+        <a:effectStyle>
+          <a:effectLst/>
+        </a:effectStyle>
+        <a:effectStyle>
+          <a:effectLst>
+            <a:outerShdw blurRad="57150" dist="19050" dir="5400000" algn="ctr" rotWithShape="0">
+              <a:srgbClr val="000000">
+                <a:alpha val="63000"/>
+              </a:srgbClr>
+            </a:outerShdw>
+          </a:effectLst>
+        </a:effectStyle>
+      </a:effectStyleLst>
+      <a:bgFillStyleLst>
+        <a:solidFill>
+          <a:schemeClr val="phClr"/>
+        </a:solidFill>
+        <a:solidFill>
+          <a:schemeClr val="phClr">
+            <a:tint val="95000"/>
+            <a:satMod val="170000"/>
+          </a:schemeClr>
+        </a:solidFill>
+        <a:gradFill rotWithShape="1">
+          <a:gsLst>
+            <a:gs pos="0">
+              <a:schemeClr val="phClr">
+                <a:tint val="93000"/>
+                <a:satMod val="150000"/>
+                <a:shade val="98000"/>
+                <a:lumMod val="102000"/>
+              </a:schemeClr>
+            </a:gs>
+            <a:gs pos="50000">
+              <a:schemeClr val="phClr">
+                <a:tint val="98000"/>
+                <a:satMod val="130000"/>
+                <a:shade val="90000"/>
+                <a:lumMod val="103000"/>
+              </a:schemeClr>
+            </a:gs>
+            <a:gs pos="100000">
+              <a:schemeClr val="phClr">
+                <a:shade val="63000"/>
+                <a:satMod val="120000"/>
+              </a:schemeClr>
+            </a:gs>
+          </a:gsLst>
+          <a:lin ang="5400000" scaled="0"/>
+        </a:gradFill>
+      </a:bgFillStyleLst>
+    </a:fmtScheme>
+  </a:themeElements>
+  <a:objectDefaults/>
+  <a:extraClrSchemeLst/>
+  <a:extLst>
+    <a:ext uri="{05A4C25C-085E-4340-85A3-A5531E510DB2}">
+      <thm15:themeFamily xmlns:thm15="http://schemas.microsoft.com/office/thememl/2012/main" name="Office Theme" id="{62F939B6-93AF-4DB8-9C6B-D6C7DFDC589F}" vid="{4A3C46E8-61CC-4603-A589-7422A47A8E4A}"/>
+    </a:ext>
+  </a:extLst>
+</a:theme>
 </file>
 
-<file path=customXml/item2.xml><?xml version="1.0" encoding="utf-8"?>
+<file path=customXml/item1.xml><?xml version="1.0" encoding="utf-8"?>
 <p:properties xmlns:p="http://schemas.microsoft.com/office/2006/metadata/properties" xmlns:xsi="http://www.w3.org/2001/XMLSchema-instance" xmlns:pc="http://schemas.microsoft.com/office/infopath/2007/PartnerControls">
   <documentManagement/>
 </p:properties>
 </file>
 
-<file path=customXml/item3.xml><?xml version="1.0" encoding="utf-8"?>
+<file path=customXml/item2.xml><?xml version="1.0" encoding="utf-8"?>
 <ct:contentTypeSchema xmlns:ct="http://schemas.microsoft.com/office/2006/metadata/contentType" xmlns:ma="http://schemas.microsoft.com/office/2006/metadata/properties/metaAttributes" ct:_="" ma:_="" ma:contentTypeName="Документ" ma:contentTypeID="0x0101002A9C74E6E830D74E9B0FDDB4017A5417" ma:contentTypeVersion="13" ma:contentTypeDescription="Создание документа." ma:contentTypeScope="" ma:versionID="d4e423622451d608a8a05f4da7a1e1a2">
   <xsd:schema xmlns:xsd="http://www.w3.org/2001/XMLSchema" xmlns:xs="http://www.w3.org/2001/XMLSchema" xmlns:p="http://schemas.microsoft.com/office/2006/metadata/properties" xmlns:ns2="9875bd71-cde8-496c-a136-433f55d5e6d0" xmlns:ns3="e96afe77-3acb-4328-97fc-408e1bde3ecd" targetNamespace="http://schemas.microsoft.com/office/2006/metadata/properties" ma:root="true" ma:fieldsID="4831203c63c08b9f52ea6d3ee0d7a96e" ns2:_="" ns3:_="">
     <xsd:import namespace="9875bd71-cde8-496c-a136-433f55d5e6d0"/>
@@ -17339,15 +18379,16 @@
 </ct:contentTypeSchema>
 </file>
 
-<file path=customXml/itemProps1.xml><?xml version="1.0" encoding="utf-8"?>
-<ds:datastoreItem xmlns:ds="http://schemas.openxmlformats.org/officeDocument/2006/customXml" ds:itemID="{B34386AA-1848-4C75-B336-1053927CB025}">
-  <ds:schemaRefs>
-    <ds:schemaRef ds:uri="http://schemas.microsoft.com/sharepoint/v3/contenttype/forms"/>
-  </ds:schemaRefs>
-</ds:datastoreItem>
+<file path=customXml/item3.xml><?xml version="1.0" encoding="utf-8"?>
+<?mso-contentType ?>
+<FormTemplates xmlns="http://schemas.microsoft.com/sharepoint/v3/contenttype/forms">
+  <Display>DocumentLibraryForm</Display>
+  <Edit>DocumentLibraryForm</Edit>
+  <New>DocumentLibraryForm</New>
+</FormTemplates>
 </file>
 
-<file path=customXml/itemProps2.xml><?xml version="1.0" encoding="utf-8"?>
+<file path=customXml/itemProps1.xml><?xml version="1.0" encoding="utf-8"?>
 <ds:datastoreItem xmlns:ds="http://schemas.openxmlformats.org/officeDocument/2006/customXml" ds:itemID="{433DAF31-D8A6-49A0-9A5D-8B2EA5B1C511}">
   <ds:schemaRefs>
     <ds:schemaRef ds:uri="http://purl.org/dc/elements/1.1/"/>
@@ -17364,7 +18405,7 @@
 </ds:datastoreItem>
 </file>
 
-<file path=customXml/itemProps3.xml><?xml version="1.0" encoding="utf-8"?>
+<file path=customXml/itemProps2.xml><?xml version="1.0" encoding="utf-8"?>
 <ds:datastoreItem xmlns:ds="http://schemas.openxmlformats.org/officeDocument/2006/customXml" ds:itemID="{4D4651DD-DCCC-4759-B2F6-7F520BDCC2B9}">
   <ds:schemaRefs>
     <ds:schemaRef ds:uri="http://schemas.microsoft.com/office/2006/metadata/contentType"/>
@@ -17381,4 +18422,12 @@
     <ds:schemaRef ds:uri="http://schemas.microsoft.com/internal/obd"/>
   </ds:schemaRefs>
 </ds:datastoreItem>
+</file>
+
+<file path=customXml/itemProps3.xml><?xml version="1.0" encoding="utf-8"?>
+<ds:datastoreItem xmlns:ds="http://schemas.openxmlformats.org/officeDocument/2006/customXml" ds:itemID="{B34386AA-1848-4C75-B336-1053927CB025}">
+  <ds:schemaRefs>
+    <ds:schemaRef ds:uri="http://schemas.microsoft.com/sharepoint/v3/contenttype/forms"/>
+  </ds:schemaRefs>
+</ds:datastoreItem>
 </file>
--- a/Отчетные материалы/Презентация.pptx
+++ b/Отчетные материалы/Презентация.pptx
@@ -5,24 +5,25 @@
     <p:sldMasterId id="2147483648" r:id="rId4"/>
   </p:sldMasterIdLst>
   <p:notesMasterIdLst>
-    <p:notesMasterId r:id="rId17"/>
+    <p:notesMasterId r:id="rId18"/>
   </p:notesMasterIdLst>
   <p:handoutMasterIdLst>
-    <p:handoutMasterId r:id="rId18"/>
+    <p:handoutMasterId r:id="rId19"/>
   </p:handoutMasterIdLst>
   <p:sldIdLst>
     <p:sldId id="271" r:id="rId5"/>
     <p:sldId id="286" r:id="rId6"/>
-    <p:sldId id="292" r:id="rId7"/>
-    <p:sldId id="293" r:id="rId8"/>
-    <p:sldId id="294" r:id="rId9"/>
-    <p:sldId id="295" r:id="rId10"/>
-    <p:sldId id="296" r:id="rId11"/>
-    <p:sldId id="297" r:id="rId12"/>
-    <p:sldId id="298" r:id="rId13"/>
-    <p:sldId id="301" r:id="rId14"/>
-    <p:sldId id="300" r:id="rId15"/>
-    <p:sldId id="299" r:id="rId16"/>
+    <p:sldId id="302" r:id="rId7"/>
+    <p:sldId id="292" r:id="rId8"/>
+    <p:sldId id="293" r:id="rId9"/>
+    <p:sldId id="294" r:id="rId10"/>
+    <p:sldId id="295" r:id="rId11"/>
+    <p:sldId id="296" r:id="rId12"/>
+    <p:sldId id="297" r:id="rId13"/>
+    <p:sldId id="298" r:id="rId14"/>
+    <p:sldId id="301" r:id="rId15"/>
+    <p:sldId id="300" r:id="rId16"/>
+    <p:sldId id="299" r:id="rId17"/>
   </p:sldIdLst>
   <p:sldSz cx="12192000" cy="6858000"/>
   <p:notesSz cx="6858000" cy="9144000"/>
@@ -305,7 +306,7 @@
           <a:p>
             <a:fld id="{5B24396A-6D45-439D-B479-C5B68D95E795}" type="datetimeFigureOut">
               <a:rPr lang="ru-RU" smtClean="0"/>
-              <a:t>21.09.2022</a:t>
+              <a:t>28.09.2022</a:t>
             </a:fld>
             <a:endParaRPr lang="ru-RU"/>
           </a:p>
@@ -482,7 +483,7 @@
           <a:p>
             <a:fld id="{73261BF4-8B2C-784B-9959-B59A059012C3}" type="datetimeFigureOut">
               <a:rPr lang="en-RU" smtClean="0"/>
-              <a:t>21.09.2022</a:t>
+              <a:t>28.09.2022</a:t>
             </a:fld>
             <a:endParaRPr lang="en-RU"/>
           </a:p>
@@ -13529,7 +13530,7 @@
           <a:p>
             <a:fld id="{53063DFB-8595-A44B-9F09-A50FA310E559}" type="datetimeFigureOut">
               <a:rPr lang="en-RU" smtClean="0"/>
-              <a:t>21.09.2022</a:t>
+              <a:t>28.09.2022</a:t>
             </a:fld>
             <a:endParaRPr lang="en-RU"/>
           </a:p>
@@ -14138,10 +14139,10 @@
       </p:grpSpPr>
       <p:pic>
         <p:nvPicPr>
-          <p:cNvPr id="8" name="Рисунок 7">
-            <a:extLst>
-              <a:ext uri="{FF2B5EF4-FFF2-40B4-BE49-F238E27FC236}">
-                <a16:creationId xmlns:a16="http://schemas.microsoft.com/office/drawing/2014/main" id="{3A664819-E38A-D5A2-CDC8-5883CE3EDB29}"/>
+          <p:cNvPr id="9" name="Picture 8" descr="Chart, scatter chart&#10;&#10;Description automatically generated">
+            <a:extLst>
+              <a:ext uri="{FF2B5EF4-FFF2-40B4-BE49-F238E27FC236}">
+                <a16:creationId xmlns:a16="http://schemas.microsoft.com/office/drawing/2014/main" id="{D19CF22D-7242-FFAE-9BB6-35897E9A5025}"/>
               </a:ext>
             </a:extLst>
           </p:cNvPr>
@@ -14150,15 +14151,16 @@
           </p:cNvPicPr>
           <p:nvPr/>
         </p:nvPicPr>
-        <p:blipFill rotWithShape="1">
+        <p:blipFill>
           <a:blip r:embed="rId2"/>
-          <a:srcRect l="7945" r="7807"/>
-          <a:stretch/>
+          <a:stretch>
+            <a:fillRect/>
+          </a:stretch>
         </p:blipFill>
         <p:spPr>
           <a:xfrm>
-            <a:off x="360829" y="1926050"/>
-            <a:ext cx="10845464" cy="3670881"/>
+            <a:off x="5518566" y="1267097"/>
+            <a:ext cx="6498771" cy="5199017"/>
           </a:xfrm>
           <a:prstGeom prst="rect">
             <a:avLst/>
@@ -14199,6 +14201,258 @@
           </a:p>
         </p:txBody>
       </p:sp>
+      <mc:AlternateContent xmlns:mc="http://schemas.openxmlformats.org/markup-compatibility/2006" xmlns:a14="http://schemas.microsoft.com/office/drawing/2010/main">
+        <mc:Choice Requires="a14">
+          <p:sp>
+            <p:nvSpPr>
+              <p:cNvPr id="4" name="Текст 3">
+                <a:extLst>
+                  <a:ext uri="{FF2B5EF4-FFF2-40B4-BE49-F238E27FC236}">
+                    <a16:creationId xmlns:a16="http://schemas.microsoft.com/office/drawing/2014/main" id="{F47F7E62-7DC2-AC80-75A3-5A41BE66DA7B}"/>
+                  </a:ext>
+                </a:extLst>
+              </p:cNvPr>
+              <p:cNvSpPr>
+                <a:spLocks noGrp="1"/>
+              </p:cNvSpPr>
+              <p:nvPr>
+                <p:ph type="body" sz="quarter" idx="12"/>
+              </p:nvPr>
+            </p:nvSpPr>
+            <p:spPr>
+              <a:xfrm>
+                <a:off x="538001" y="1960019"/>
+                <a:ext cx="5373189" cy="4079003"/>
+              </a:xfrm>
+            </p:spPr>
+            <p:txBody>
+              <a:bodyPr>
+                <a:normAutofit fontScale="92500"/>
+              </a:bodyPr>
+              <a:lstStyle/>
+              <a:p>
+                <a:r>
+                  <a:rPr lang="ru-RU" sz="2000" dirty="0"/>
+                  <a:t>Запустив алгоритм на данных признаках</a:t>
+                </a:r>
+                <a:r>
+                  <a:rPr lang="en-US" sz="2000" dirty="0"/>
+                  <a:t>, </a:t>
+                </a:r>
+                <a:r>
+                  <a:rPr lang="ru-RU" sz="2000" dirty="0"/>
+                  <a:t>мы получили несколько разбиений</a:t>
+                </a:r>
+                <a:r>
+                  <a:rPr lang="en-US" sz="2000" dirty="0"/>
+                  <a:t>, </a:t>
+                </a:r>
+                <a:r>
+                  <a:rPr lang="ru-RU" sz="2000" dirty="0"/>
+                  <a:t>одно из которых полностью совпало с ожидаемыми классами</a:t>
+                </a:r>
+                <a:r>
+                  <a:rPr lang="en-US" sz="2000" dirty="0"/>
+                  <a:t>.</a:t>
+                </a:r>
+              </a:p>
+              <a:p>
+                <a:r>
+                  <a:rPr lang="ru-RU" sz="2000" dirty="0"/>
+                  <a:t>Полученные разбиения</a:t>
+                </a:r>
+                <a:r>
+                  <a:rPr lang="en-US" sz="2000" dirty="0"/>
+                  <a:t>:</a:t>
+                </a:r>
+              </a:p>
+              <a:p>
+                <a14:m>
+                  <m:oMath xmlns:m="http://schemas.openxmlformats.org/officeDocument/2006/math">
+                    <m:sSub>
+                      <m:sSubPr>
+                        <m:ctrlPr>
+                          <a:rPr lang="en-US" sz="2000" b="0" i="1" smtClean="0">
+                            <a:latin typeface="Cambria Math" panose="02040503050406030204" pitchFamily="18" charset="0"/>
+                          </a:rPr>
+                        </m:ctrlPr>
+                      </m:sSubPr>
+                      <m:e>
+                        <m:r>
+                          <a:rPr lang="en-US" sz="2000" b="0" i="1" smtClean="0">
+                            <a:latin typeface="Cambria Math" panose="02040503050406030204" pitchFamily="18" charset="0"/>
+                          </a:rPr>
+                          <m:t>𝐹</m:t>
+                        </m:r>
+                      </m:e>
+                      <m:sub>
+                        <m:r>
+                          <a:rPr lang="en-US" sz="2000" b="0" i="1" smtClean="0">
+                            <a:latin typeface="Cambria Math" panose="02040503050406030204" pitchFamily="18" charset="0"/>
+                          </a:rPr>
+                          <m:t>1</m:t>
+                        </m:r>
+                      </m:sub>
+                    </m:sSub>
+                  </m:oMath>
+                </a14:m>
+                <a:r>
+                  <a:rPr lang="en-US" sz="2000" dirty="0"/>
+                  <a:t> = 2, 3 – </a:t>
+                </a:r>
+                <a:r>
+                  <a:rPr lang="ru-RU" sz="2000" dirty="0"/>
+                  <a:t>зашумленные </a:t>
+                </a:r>
+                <a:r>
+                  <a:rPr lang="ru-RU" sz="2000" dirty="0" err="1"/>
+                  <a:t>таргеты</a:t>
+                </a:r>
+                <a:endParaRPr lang="en-US" sz="2000" dirty="0"/>
+              </a:p>
+              <a:p>
+                <a14:m>
+                  <m:oMath xmlns:m="http://schemas.openxmlformats.org/officeDocument/2006/math">
+                    <m:sSub>
+                      <m:sSubPr>
+                        <m:ctrlPr>
+                          <a:rPr lang="en-US" sz="2000" b="0" i="1" smtClean="0">
+                            <a:latin typeface="Cambria Math" panose="02040503050406030204" pitchFamily="18" charset="0"/>
+                          </a:rPr>
+                        </m:ctrlPr>
+                      </m:sSubPr>
+                      <m:e>
+                        <m:r>
+                          <a:rPr lang="en-US" sz="2000" b="0" i="1" smtClean="0">
+                            <a:latin typeface="Cambria Math" panose="02040503050406030204" pitchFamily="18" charset="0"/>
+                          </a:rPr>
+                          <m:t>𝐹</m:t>
+                        </m:r>
+                      </m:e>
+                      <m:sub>
+                        <m:r>
+                          <a:rPr lang="en-US" sz="2000" b="0" i="1" smtClean="0">
+                            <a:latin typeface="Cambria Math" panose="02040503050406030204" pitchFamily="18" charset="0"/>
+                          </a:rPr>
+                          <m:t>2</m:t>
+                        </m:r>
+                      </m:sub>
+                    </m:sSub>
+                  </m:oMath>
+                </a14:m>
+                <a:r>
+                  <a:rPr lang="en-US" sz="2000" dirty="0"/>
+                  <a:t> = 0, 1, 50, 66</a:t>
+                </a:r>
+                <a:r>
+                  <a:rPr lang="ru-RU" sz="2000" dirty="0"/>
+                  <a:t> – </a:t>
+                </a:r>
+                <a:r>
+                  <a:rPr lang="ru-RU" sz="2000" dirty="0" err="1"/>
+                  <a:t>таргеты</a:t>
+                </a:r>
+                <a:r>
+                  <a:rPr lang="ru-RU" sz="2000" dirty="0"/>
+                  <a:t> и два шума</a:t>
+                </a:r>
+                <a:endParaRPr lang="en-US" sz="2000" dirty="0"/>
+              </a:p>
+              <a:p>
+                <a14:m>
+                  <m:oMath xmlns:m="http://schemas.openxmlformats.org/officeDocument/2006/math">
+                    <m:sSub>
+                      <m:sSubPr>
+                        <m:ctrlPr>
+                          <a:rPr lang="en-US" sz="2000" b="0" i="1" smtClean="0">
+                            <a:latin typeface="Cambria Math" panose="02040503050406030204" pitchFamily="18" charset="0"/>
+                          </a:rPr>
+                        </m:ctrlPr>
+                      </m:sSubPr>
+                      <m:e>
+                        <m:r>
+                          <a:rPr lang="en-US" sz="2000" b="0" i="1" smtClean="0">
+                            <a:latin typeface="Cambria Math" panose="02040503050406030204" pitchFamily="18" charset="0"/>
+                          </a:rPr>
+                          <m:t>𝐹</m:t>
+                        </m:r>
+                      </m:e>
+                      <m:sub>
+                        <m:r>
+                          <a:rPr lang="en-US" sz="2000" b="0" i="1" smtClean="0">
+                            <a:latin typeface="Cambria Math" panose="02040503050406030204" pitchFamily="18" charset="0"/>
+                          </a:rPr>
+                          <m:t>3</m:t>
+                        </m:r>
+                      </m:sub>
+                    </m:sSub>
+                  </m:oMath>
+                </a14:m>
+                <a:r>
+                  <a:rPr lang="en-US" sz="2000" dirty="0"/>
+                  <a:t> = 40, 80, 81</a:t>
+                </a:r>
+                <a:r>
+                  <a:rPr lang="ru-RU" sz="2000" dirty="0"/>
+                  <a:t> – шумы</a:t>
+                </a:r>
+              </a:p>
+              <a:p>
+                <a:endParaRPr lang="en-US" sz="2000" dirty="0"/>
+              </a:p>
+              <a:p>
+                <a:endParaRPr lang="en-US" sz="2000" dirty="0"/>
+              </a:p>
+              <a:p>
+                <a:endParaRPr lang="en-US" sz="2000" dirty="0"/>
+              </a:p>
+            </p:txBody>
+          </p:sp>
+        </mc:Choice>
+        <mc:Fallback xmlns="">
+          <p:sp>
+            <p:nvSpPr>
+              <p:cNvPr id="4" name="Текст 3">
+                <a:extLst>
+                  <a:ext uri="{FF2B5EF4-FFF2-40B4-BE49-F238E27FC236}">
+                    <a16:creationId xmlns:a16="http://schemas.microsoft.com/office/drawing/2014/main" id="{F47F7E62-7DC2-AC80-75A3-5A41BE66DA7B}"/>
+                  </a:ext>
+                </a:extLst>
+              </p:cNvPr>
+              <p:cNvSpPr>
+                <a:spLocks noGrp="1" noRot="1" noChangeAspect="1" noMove="1" noResize="1" noEditPoints="1" noAdjustHandles="1" noChangeArrowheads="1" noChangeShapeType="1" noTextEdit="1"/>
+              </p:cNvSpPr>
+              <p:nvPr>
+                <p:ph type="body" sz="quarter" idx="12"/>
+              </p:nvPr>
+            </p:nvSpPr>
+            <p:spPr>
+              <a:xfrm>
+                <a:off x="538001" y="1960019"/>
+                <a:ext cx="5373189" cy="4079003"/>
+              </a:xfrm>
+              <a:blipFill>
+                <a:blip r:embed="rId3"/>
+                <a:stretch>
+                  <a:fillRect l="-2830" t="-1863"/>
+                </a:stretch>
+              </a:blipFill>
+            </p:spPr>
+            <p:txBody>
+              <a:bodyPr/>
+              <a:lstStyle/>
+              <a:p>
+                <a:r>
+                  <a:rPr lang="en-RU">
+                    <a:noFill/>
+                  </a:rPr>
+                  <a:t> </a:t>
+                </a:r>
+              </a:p>
+            </p:txBody>
+          </p:sp>
+        </mc:Fallback>
+      </mc:AlternateContent>
       <p:sp>
         <p:nvSpPr>
           <p:cNvPr id="5" name="Текст 4">
@@ -14230,7 +14484,7 @@
     </p:spTree>
     <p:extLst>
       <p:ext uri="{BB962C8B-B14F-4D97-AF65-F5344CB8AC3E}">
-        <p14:creationId xmlns:p14="http://schemas.microsoft.com/office/powerpoint/2010/main" val="64064840"/>
+        <p14:creationId xmlns:p14="http://schemas.microsoft.com/office/powerpoint/2010/main" val="2211578086"/>
       </p:ext>
     </p:extLst>
   </p:cSld>
@@ -14257,6 +14511,127 @@
           <a:chExt cx="0" cy="0"/>
         </a:xfrm>
       </p:grpSpPr>
+      <p:pic>
+        <p:nvPicPr>
+          <p:cNvPr id="8" name="Рисунок 7">
+            <a:extLst>
+              <a:ext uri="{FF2B5EF4-FFF2-40B4-BE49-F238E27FC236}">
+                <a16:creationId xmlns:a16="http://schemas.microsoft.com/office/drawing/2014/main" id="{3A664819-E38A-D5A2-CDC8-5883CE3EDB29}"/>
+              </a:ext>
+            </a:extLst>
+          </p:cNvPr>
+          <p:cNvPicPr>
+            <a:picLocks noChangeAspect="1"/>
+          </p:cNvPicPr>
+          <p:nvPr/>
+        </p:nvPicPr>
+        <p:blipFill rotWithShape="1">
+          <a:blip r:embed="rId2"/>
+          <a:srcRect l="7945" r="7807"/>
+          <a:stretch/>
+        </p:blipFill>
+        <p:spPr>
+          <a:xfrm>
+            <a:off x="360829" y="1926050"/>
+            <a:ext cx="10845464" cy="3670881"/>
+          </a:xfrm>
+          <a:prstGeom prst="rect">
+            <a:avLst/>
+          </a:prstGeom>
+        </p:spPr>
+      </p:pic>
+      <p:sp>
+        <p:nvSpPr>
+          <p:cNvPr id="3" name="Заголовок 2">
+            <a:extLst>
+              <a:ext uri="{FF2B5EF4-FFF2-40B4-BE49-F238E27FC236}">
+                <a16:creationId xmlns:a16="http://schemas.microsoft.com/office/drawing/2014/main" id="{2D9090A9-1C7B-573D-3E7B-9E2883A0E553}"/>
+              </a:ext>
+            </a:extLst>
+          </p:cNvPr>
+          <p:cNvSpPr>
+            <a:spLocks noGrp="1"/>
+          </p:cNvSpPr>
+          <p:nvPr>
+            <p:ph type="title"/>
+          </p:nvPr>
+        </p:nvSpPr>
+        <p:spPr>
+          <a:xfrm>
+            <a:off x="538001" y="1461068"/>
+            <a:ext cx="5245560" cy="777025"/>
+          </a:xfrm>
+        </p:spPr>
+        <p:txBody>
+          <a:bodyPr/>
+          <a:lstStyle/>
+          <a:p>
+            <a:r>
+              <a:rPr lang="en-US" b="1" dirty="0"/>
+              <a:t>Experiments</a:t>
+            </a:r>
+            <a:endParaRPr lang="ru-RU" dirty="0"/>
+          </a:p>
+        </p:txBody>
+      </p:sp>
+      <p:sp>
+        <p:nvSpPr>
+          <p:cNvPr id="5" name="Текст 4">
+            <a:extLst>
+              <a:ext uri="{FF2B5EF4-FFF2-40B4-BE49-F238E27FC236}">
+                <a16:creationId xmlns:a16="http://schemas.microsoft.com/office/drawing/2014/main" id="{C148AB9A-79C6-117B-AB17-505FF6041D33}"/>
+              </a:ext>
+            </a:extLst>
+          </p:cNvPr>
+          <p:cNvSpPr>
+            <a:spLocks noGrp="1"/>
+          </p:cNvSpPr>
+          <p:nvPr>
+            <p:ph type="body" sz="quarter" idx="13"/>
+          </p:nvPr>
+        </p:nvSpPr>
+        <p:spPr/>
+        <p:txBody>
+          <a:bodyPr/>
+          <a:lstStyle/>
+          <a:p>
+            <a:r>
+              <a:rPr lang="ru-RU" dirty="0"/>
+              <a:t>ФКН ПМИ</a:t>
+            </a:r>
+          </a:p>
+        </p:txBody>
+      </p:sp>
+    </p:spTree>
+    <p:extLst>
+      <p:ext uri="{BB962C8B-B14F-4D97-AF65-F5344CB8AC3E}">
+        <p14:creationId xmlns:p14="http://schemas.microsoft.com/office/powerpoint/2010/main" val="64064840"/>
+      </p:ext>
+    </p:extLst>
+  </p:cSld>
+  <p:clrMapOvr>
+    <a:masterClrMapping/>
+  </p:clrMapOvr>
+</p:sld>
+</file>
+
+<file path=ppt/slides/slide12.xml><?xml version="1.0" encoding="utf-8"?>
+<p:sld xmlns:a="http://schemas.openxmlformats.org/drawingml/2006/main" xmlns:r="http://schemas.openxmlformats.org/officeDocument/2006/relationships" xmlns:p="http://schemas.openxmlformats.org/presentationml/2006/main">
+  <p:cSld>
+    <p:spTree>
+      <p:nvGrpSpPr>
+        <p:cNvPr id="1" name=""/>
+        <p:cNvGrpSpPr/>
+        <p:nvPr/>
+      </p:nvGrpSpPr>
+      <p:grpSpPr>
+        <a:xfrm>
+          <a:off x="0" y="0"/>
+          <a:ext cx="0" cy="0"/>
+          <a:chOff x="0" y="0"/>
+          <a:chExt cx="0" cy="0"/>
+        </a:xfrm>
+      </p:grpSpPr>
       <p:sp>
         <p:nvSpPr>
           <p:cNvPr id="3" name="Заголовок 2">
@@ -14410,7 +14785,7 @@
 </p:sld>
 </file>
 
-<file path=ppt/slides/slide12.xml><?xml version="1.0" encoding="utf-8"?>
+<file path=ppt/slides/slide13.xml><?xml version="1.0" encoding="utf-8"?>
 <p:sld xmlns:a="http://schemas.openxmlformats.org/drawingml/2006/main" xmlns:r="http://schemas.openxmlformats.org/officeDocument/2006/relationships" xmlns:p="http://schemas.openxmlformats.org/presentationml/2006/main">
   <p:cSld>
     <p:spTree>
@@ -14564,6 +14939,53 @@
           <a:chExt cx="0" cy="0"/>
         </a:xfrm>
       </p:grpSpPr>
+      <p:pic>
+        <p:nvPicPr>
+          <p:cNvPr id="1026" name="Picture 2" descr="How to Build a Binary Classification Model | jake learns data science">
+            <a:extLst>
+              <a:ext uri="{FF2B5EF4-FFF2-40B4-BE49-F238E27FC236}">
+                <a16:creationId xmlns:a16="http://schemas.microsoft.com/office/drawing/2014/main" id="{896F7160-25A5-D7D5-A091-8459F3CE7F70}"/>
+              </a:ext>
+            </a:extLst>
+          </p:cNvPr>
+          <p:cNvPicPr>
+            <a:picLocks noChangeAspect="1" noChangeArrowheads="1"/>
+          </p:cNvPicPr>
+          <p:nvPr/>
+        </p:nvPicPr>
+        <p:blipFill>
+          <a:blip r:embed="rId2">
+            <a:extLst>
+              <a:ext uri="{28A0092B-C50C-407E-A947-70E740481C1C}">
+                <a14:useLocalDpi xmlns:a14="http://schemas.microsoft.com/office/drawing/2010/main" val="0"/>
+              </a:ext>
+            </a:extLst>
+          </a:blip>
+          <a:srcRect/>
+          <a:stretch>
+            <a:fillRect/>
+          </a:stretch>
+        </p:blipFill>
+        <p:spPr bwMode="auto">
+          <a:xfrm>
+            <a:off x="5400454" y="1836302"/>
+            <a:ext cx="6184900" cy="4660900"/>
+          </a:xfrm>
+          <a:prstGeom prst="rect">
+            <a:avLst/>
+          </a:prstGeom>
+          <a:noFill/>
+          <a:extLst>
+            <a:ext uri="{909E8E84-426E-40DD-AFC4-6F175D3DCCD1}">
+              <a14:hiddenFill xmlns:a14="http://schemas.microsoft.com/office/drawing/2010/main">
+                <a:solidFill>
+                  <a:srgbClr val="FFFFFF"/>
+                </a:solidFill>
+              </a14:hiddenFill>
+            </a:ext>
+          </a:extLst>
+        </p:spPr>
+      </p:pic>
       <p:sp>
         <p:nvSpPr>
           <p:cNvPr id="3" name="Заголовок 2">
@@ -14717,36 +15139,6 @@
           </a:p>
         </p:txBody>
       </p:sp>
-      <p:pic>
-        <p:nvPicPr>
-          <p:cNvPr id="16" name="Picture 15" descr="Chart, scatter chart&#10;&#10;Description automatically generated">
-            <a:extLst>
-              <a:ext uri="{FF2B5EF4-FFF2-40B4-BE49-F238E27FC236}">
-                <a16:creationId xmlns:a16="http://schemas.microsoft.com/office/drawing/2014/main" id="{A6EB78A5-49B5-9472-79A3-A7680BA9EFBE}"/>
-              </a:ext>
-            </a:extLst>
-          </p:cNvPr>
-          <p:cNvPicPr>
-            <a:picLocks noChangeAspect="1"/>
-          </p:cNvPicPr>
-          <p:nvPr/>
-        </p:nvPicPr>
-        <p:blipFill>
-          <a:blip r:embed="rId2"/>
-          <a:stretch>
-            <a:fillRect/>
-          </a:stretch>
-        </p:blipFill>
-        <p:spPr>
-          <a:xfrm>
-            <a:off x="6360544" y="1447789"/>
-            <a:ext cx="4781550" cy="4737017"/>
-          </a:xfrm>
-          <a:prstGeom prst="rect">
-            <a:avLst/>
-          </a:prstGeom>
-        </p:spPr>
-      </p:pic>
     </p:spTree>
     <p:extLst>
       <p:ext uri="{BB962C8B-B14F-4D97-AF65-F5344CB8AC3E}">
@@ -14793,99 +15185,16 @@
             <p:ph type="title"/>
           </p:nvPr>
         </p:nvSpPr>
-        <p:spPr>
-          <a:xfrm>
-            <a:off x="538001" y="1461068"/>
-            <a:ext cx="5245560" cy="777025"/>
-          </a:xfrm>
-        </p:spPr>
+        <p:spPr/>
         <p:txBody>
           <a:bodyPr/>
           <a:lstStyle/>
           <a:p>
             <a:r>
-              <a:rPr lang="en-GB" b="1" dirty="0"/>
-              <a:t>Minimal spanning tree</a:t>
+              <a:rPr lang="ru-RU" b="1" dirty="0"/>
+              <a:t>Постановка задачи</a:t>
             </a:r>
             <a:endParaRPr lang="ru-RU" dirty="0"/>
-          </a:p>
-        </p:txBody>
-      </p:sp>
-      <p:sp>
-        <p:nvSpPr>
-          <p:cNvPr id="4" name="Текст 3">
-            <a:extLst>
-              <a:ext uri="{FF2B5EF4-FFF2-40B4-BE49-F238E27FC236}">
-                <a16:creationId xmlns:a16="http://schemas.microsoft.com/office/drawing/2014/main" id="{F47F7E62-7DC2-AC80-75A3-5A41BE66DA7B}"/>
-              </a:ext>
-            </a:extLst>
-          </p:cNvPr>
-          <p:cNvSpPr>
-            <a:spLocks noGrp="1"/>
-          </p:cNvSpPr>
-          <p:nvPr>
-            <p:ph type="body" sz="quarter" idx="12"/>
-          </p:nvPr>
-        </p:nvSpPr>
-        <p:spPr>
-          <a:xfrm>
-            <a:off x="538001" y="2238093"/>
-            <a:ext cx="5373189" cy="2595164"/>
-          </a:xfrm>
-        </p:spPr>
-        <p:txBody>
-          <a:bodyPr>
-            <a:normAutofit/>
-          </a:bodyPr>
-          <a:lstStyle/>
-          <a:p>
-            <a:r>
-              <a:rPr lang="ru-RU" sz="2000" dirty="0"/>
-              <a:t>В основе данного алгоритма лежит построение минимального </a:t>
-            </a:r>
-            <a:r>
-              <a:rPr lang="ru-RU" sz="2000" dirty="0" err="1"/>
-              <a:t>остовного</a:t>
-            </a:r>
-            <a:r>
-              <a:rPr lang="ru-RU" sz="2000" dirty="0"/>
-              <a:t> дерева</a:t>
-            </a:r>
-            <a:r>
-              <a:rPr lang="en-US" sz="2000" dirty="0"/>
-              <a:t> </a:t>
-            </a:r>
-            <a:r>
-              <a:rPr lang="ru-RU" sz="2000" dirty="0"/>
-              <a:t>(</a:t>
-            </a:r>
-            <a:r>
-              <a:rPr lang="en-US" sz="2000" b="1" dirty="0"/>
-              <a:t>MST</a:t>
-            </a:r>
-            <a:r>
-              <a:rPr lang="ru-RU" sz="2000" dirty="0"/>
-              <a:t>)</a:t>
-            </a:r>
-            <a:r>
-              <a:rPr lang="en-US" sz="2000" dirty="0"/>
-              <a:t>.</a:t>
-            </a:r>
-          </a:p>
-          <a:p>
-            <a:r>
-              <a:rPr lang="en-US" sz="2000" dirty="0"/>
-              <a:t>MST - </a:t>
-            </a:r>
-            <a:r>
-              <a:rPr lang="ru-RU" sz="2000" dirty="0"/>
-              <a:t>ациклический связный подграф неориентированного графа, содержащий все его вершины и имеющий минимальный суммарный вес ребер</a:t>
-            </a:r>
-            <a:r>
-              <a:rPr lang="en-US" sz="2000" dirty="0"/>
-              <a:t>.</a:t>
-            </a:r>
-            <a:endParaRPr lang="ru-RU" sz="2000" dirty="0"/>
           </a:p>
         </p:txBody>
       </p:sp>
@@ -14917,57 +15226,153 @@
           </a:p>
         </p:txBody>
       </p:sp>
-      <p:pic>
-        <p:nvPicPr>
-          <p:cNvPr id="1028" name="Picture 4" descr="Minimum spanning tree - Wikipedia">
-            <a:extLst>
-              <a:ext uri="{FF2B5EF4-FFF2-40B4-BE49-F238E27FC236}">
-                <a16:creationId xmlns:a16="http://schemas.microsoft.com/office/drawing/2014/main" id="{6811F5C8-678D-FB24-296F-A119734E67FD}"/>
-              </a:ext>
-            </a:extLst>
-          </p:cNvPr>
-          <p:cNvPicPr>
-            <a:picLocks noChangeAspect="1" noChangeArrowheads="1"/>
-          </p:cNvPicPr>
-          <p:nvPr/>
-        </p:nvPicPr>
-        <p:blipFill>
-          <a:blip r:embed="rId2">
-            <a:extLst>
-              <a:ext uri="{28A0092B-C50C-407E-A947-70E740481C1C}">
-                <a14:useLocalDpi xmlns:a14="http://schemas.microsoft.com/office/drawing/2010/main" val="0"/>
-              </a:ext>
-            </a:extLst>
-          </a:blip>
-          <a:srcRect/>
-          <a:stretch>
-            <a:fillRect/>
-          </a:stretch>
-        </p:blipFill>
-        <p:spPr bwMode="auto">
-          <a:xfrm>
-            <a:off x="6717307" y="1611076"/>
-            <a:ext cx="5373189" cy="4334673"/>
-          </a:xfrm>
-          <a:prstGeom prst="rect">
-            <a:avLst/>
-          </a:prstGeom>
-          <a:noFill/>
-          <a:extLst>
-            <a:ext uri="{909E8E84-426E-40DD-AFC4-6F175D3DCCD1}">
-              <a14:hiddenFill xmlns:a14="http://schemas.microsoft.com/office/drawing/2010/main">
-                <a:solidFill>
-                  <a:srgbClr val="FFFFFF"/>
-                </a:solidFill>
-              </a14:hiddenFill>
-            </a:ext>
-          </a:extLst>
-        </p:spPr>
-      </p:pic>
+      <p:sp>
+        <p:nvSpPr>
+          <p:cNvPr id="6" name="Text Placeholder 5">
+            <a:extLst>
+              <a:ext uri="{FF2B5EF4-FFF2-40B4-BE49-F238E27FC236}">
+                <a16:creationId xmlns:a16="http://schemas.microsoft.com/office/drawing/2014/main" id="{6D7BABB3-18E5-B716-FB05-EE6900C80500}"/>
+              </a:ext>
+            </a:extLst>
+          </p:cNvPr>
+          <p:cNvSpPr>
+            <a:spLocks noGrp="1"/>
+          </p:cNvSpPr>
+          <p:nvPr>
+            <p:ph type="body" sz="quarter" idx="12"/>
+          </p:nvPr>
+        </p:nvSpPr>
+        <p:spPr>
+          <a:xfrm>
+            <a:off x="585897" y="2027582"/>
+            <a:ext cx="11020205" cy="4289513"/>
+          </a:xfrm>
+        </p:spPr>
+        <p:txBody>
+          <a:bodyPr>
+            <a:noAutofit/>
+          </a:bodyPr>
+          <a:lstStyle/>
+          <a:p>
+            <a:r>
+              <a:rPr lang="en-RU" sz="2400" dirty="0"/>
+              <a:t>Input:</a:t>
+            </a:r>
+          </a:p>
+          <a:p>
+            <a:r>
+              <a:rPr lang="en-RU" sz="2400" b="1" dirty="0"/>
+              <a:t>X</a:t>
+            </a:r>
+            <a:r>
+              <a:rPr lang="en-RU" sz="2400" dirty="0"/>
+              <a:t> = {X1,…, Xn} – objects; </a:t>
+            </a:r>
+            <a:r>
+              <a:rPr lang="en-RU" sz="2400" b="1" dirty="0"/>
+              <a:t>G</a:t>
+            </a:r>
+            <a:r>
+              <a:rPr lang="en-RU" sz="2400" dirty="0"/>
+              <a:t> = {g1,…, gd} – features/genes; </a:t>
+            </a:r>
+            <a:r>
+              <a:rPr lang="en-RU" sz="2400" b="1" dirty="0"/>
+              <a:t>maxN</a:t>
+            </a:r>
+            <a:r>
+              <a:rPr lang="en-RU" sz="2400" dirty="0"/>
+              <a:t> – max number of partitions;</a:t>
+            </a:r>
+          </a:p>
+          <a:p>
+            <a:r>
+              <a:rPr lang="en-RU" sz="2400" dirty="0"/>
+              <a:t>Output:</a:t>
+            </a:r>
+          </a:p>
+          <a:p>
+            <a:r>
+              <a:rPr lang="en-RU" sz="2400" b="1" dirty="0"/>
+              <a:t>P</a:t>
+            </a:r>
+            <a:r>
+              <a:rPr lang="en-RU" sz="2400" dirty="0"/>
+              <a:t> = {(P1, G1),…, (Pk, Gk)} – partitions</a:t>
+            </a:r>
+          </a:p>
+          <a:p>
+            <a:r>
+              <a:rPr lang="en-GB" sz="2400" dirty="0"/>
+              <a:t>k</a:t>
+            </a:r>
+            <a:r>
+              <a:rPr lang="en-RU" sz="2400" dirty="0"/>
+              <a:t> &lt;= </a:t>
+            </a:r>
+            <a:r>
+              <a:rPr lang="en-RU" sz="2400" b="1" dirty="0"/>
+              <a:t>maxN</a:t>
+            </a:r>
+          </a:p>
+          <a:p>
+            <a:r>
+              <a:rPr lang="en-GB" sz="2400" dirty="0"/>
+              <a:t>F</a:t>
+            </a:r>
+            <a:r>
+              <a:rPr lang="en-RU" sz="2400" dirty="0"/>
+              <a:t>or any </a:t>
+            </a:r>
+            <a:r>
+              <a:rPr lang="en-GB" sz="2400" dirty="0"/>
+              <a:t>i</a:t>
+            </a:r>
+            <a:r>
+              <a:rPr lang="en-RU" sz="2400" dirty="0"/>
+              <a:t> = 1,…,k: Pi = {S1, S2}, S1 ∪ S2 = </a:t>
+            </a:r>
+            <a:r>
+              <a:rPr lang="en-RU" sz="2400" b="1" dirty="0"/>
+              <a:t>X</a:t>
+            </a:r>
+            <a:r>
+              <a:rPr lang="en-RU" sz="2400" dirty="0"/>
+              <a:t>, S1 ∩ S2 = ∅</a:t>
+            </a:r>
+          </a:p>
+          <a:p>
+            <a:r>
+              <a:rPr lang="en-RU" sz="2400" dirty="0"/>
+              <a:t>Gi ⊆</a:t>
+            </a:r>
+            <a:r>
+              <a:rPr lang="ru-RU" sz="2400" dirty="0"/>
+              <a:t> </a:t>
+            </a:r>
+            <a:r>
+              <a:rPr lang="en-US" sz="2400" b="1" dirty="0"/>
+              <a:t>G</a:t>
+            </a:r>
+            <a:r>
+              <a:rPr lang="en-US" sz="2400" dirty="0"/>
+              <a:t> \ (G0 </a:t>
+            </a:r>
+            <a:r>
+              <a:rPr lang="en-RU" sz="2400" dirty="0"/>
+              <a:t>∪ G1 ∪ … ∪ G{i-1}</a:t>
+            </a:r>
+            <a:r>
+              <a:rPr lang="en-US" sz="2400" dirty="0"/>
+              <a:t>)</a:t>
+            </a:r>
+          </a:p>
+        </p:txBody>
+      </p:sp>
     </p:spTree>
     <p:extLst>
       <p:ext uri="{BB962C8B-B14F-4D97-AF65-F5344CB8AC3E}">
-        <p14:creationId xmlns:p14="http://schemas.microsoft.com/office/powerpoint/2010/main" val="1922245792"/>
+        <p14:creationId xmlns:p14="http://schemas.microsoft.com/office/powerpoint/2010/main" val="3619767652"/>
       </p:ext>
     </p:extLst>
   </p:cSld>
@@ -15012,7 +15417,7 @@
         </p:nvSpPr>
         <p:spPr>
           <a:xfrm>
-            <a:off x="585896" y="1076147"/>
+            <a:off x="538001" y="1461068"/>
             <a:ext cx="5245560" cy="777025"/>
           </a:xfrm>
         </p:spPr>
@@ -15021,9 +15426,10 @@
           <a:lstStyle/>
           <a:p>
             <a:r>
-              <a:rPr lang="ru-RU" b="1" dirty="0"/>
-              <a:t>Алгоритм Прима</a:t>
-            </a:r>
+              <a:rPr lang="en-GB" b="1" dirty="0"/>
+              <a:t>Minimal spanning tree</a:t>
+            </a:r>
+            <a:endParaRPr lang="ru-RU" dirty="0"/>
           </a:p>
         </p:txBody>
       </p:sp>
@@ -15045,8 +15451,8 @@
         </p:nvSpPr>
         <p:spPr>
           <a:xfrm>
-            <a:off x="585896" y="1598012"/>
-            <a:ext cx="5373189" cy="4663440"/>
+            <a:off x="538001" y="2238093"/>
+            <a:ext cx="5373189" cy="2595164"/>
           </a:xfrm>
         </p:spPr>
         <p:txBody>
@@ -15055,57 +15461,52 @@
           </a:bodyPr>
           <a:lstStyle/>
           <a:p>
-            <a:pPr marL="342900" indent="-342900">
-              <a:buFont typeface="Arial" panose="020B0604020202020204" pitchFamily="34" charset="0"/>
-              <a:buChar char="•"/>
-            </a:pPr>
             <a:r>
               <a:rPr lang="ru-RU" sz="2000" dirty="0"/>
-              <a:t>Искомый минимальный остов строится постепенно, добавлением в него рёбер по одному.</a:t>
-            </a:r>
-            <a:endParaRPr lang="en-US" sz="2000" dirty="0"/>
+              <a:t>В основе данного алгоритма лежит построение минимального </a:t>
+            </a:r>
+            <a:r>
+              <a:rPr lang="ru-RU" sz="2000" dirty="0" err="1"/>
+              <a:t>остовного</a:t>
+            </a:r>
+            <a:r>
+              <a:rPr lang="ru-RU" sz="2000" dirty="0"/>
+              <a:t> дерева</a:t>
+            </a:r>
+            <a:r>
+              <a:rPr lang="en-US" sz="2000" dirty="0"/>
+              <a:t> </a:t>
+            </a:r>
+            <a:r>
+              <a:rPr lang="ru-RU" sz="2000" dirty="0"/>
+              <a:t>(</a:t>
+            </a:r>
+            <a:r>
+              <a:rPr lang="en-US" sz="2000" b="1" dirty="0"/>
+              <a:t>MST</a:t>
+            </a:r>
+            <a:r>
+              <a:rPr lang="ru-RU" sz="2000" dirty="0"/>
+              <a:t>)</a:t>
+            </a:r>
+            <a:r>
+              <a:rPr lang="en-US" sz="2000" dirty="0"/>
+              <a:t>.</a:t>
+            </a:r>
           </a:p>
           <a:p>
-            <a:pPr marL="342900" indent="-342900">
-              <a:buFont typeface="Arial" panose="020B0604020202020204" pitchFamily="34" charset="0"/>
-              <a:buChar char="•"/>
-            </a:pPr>
+            <a:r>
+              <a:rPr lang="en-US" sz="2000" dirty="0"/>
+              <a:t>MST - </a:t>
+            </a:r>
             <a:r>
               <a:rPr lang="ru-RU" sz="2000" dirty="0"/>
-              <a:t>Изначально остов полагается состоящим из единственной вершины</a:t>
-            </a:r>
-            <a:endParaRPr lang="en-US" sz="2000" dirty="0"/>
-          </a:p>
-          <a:p>
-            <a:pPr marL="342900" indent="-342900">
-              <a:buFont typeface="Arial" panose="020B0604020202020204" pitchFamily="34" charset="0"/>
-              <a:buChar char="•"/>
-            </a:pPr>
-            <a:r>
-              <a:rPr lang="ru-RU" sz="2000" dirty="0"/>
-              <a:t>Затем выбирается ребро минимального веса, исходящее из этой вершины, и добавляется в минимальный остов.</a:t>
-            </a:r>
-            <a:endParaRPr lang="en-US" sz="2000" dirty="0"/>
-          </a:p>
-          <a:p>
-            <a:pPr marL="342900" indent="-342900">
-              <a:buFont typeface="Arial" panose="020B0604020202020204" pitchFamily="34" charset="0"/>
-              <a:buChar char="•"/>
-            </a:pPr>
-            <a:r>
-              <a:rPr lang="ru-RU" sz="2000" dirty="0"/>
-              <a:t>Всякий раз ищется минимальное по весу ребро, один конец которого — уже взятая в остов вершина, а другой конец — ещё не взятая, и это ребро добавляется в остов</a:t>
+              <a:t>ациклический связный подграф неориентированного графа, содержащий все его вершины и имеющий минимальный суммарный вес ребер</a:t>
             </a:r>
             <a:r>
               <a:rPr lang="en-US" sz="2000" dirty="0"/>
               <a:t>.</a:t>
             </a:r>
-          </a:p>
-          <a:p>
-            <a:pPr marL="342900" indent="-342900">
-              <a:buFont typeface="Arial" panose="020B0604020202020204" pitchFamily="34" charset="0"/>
-              <a:buChar char="•"/>
-            </a:pPr>
             <a:endParaRPr lang="ru-RU" sz="2000" dirty="0"/>
           </a:p>
         </p:txBody>
@@ -15140,10 +15541,10 @@
       </p:sp>
       <p:pic>
         <p:nvPicPr>
-          <p:cNvPr id="3076" name="Picture 4" descr="Graphs in Python - Theory and Implementation - Minimum Spanning Trees - Prim's  Algorithm">
-            <a:extLst>
-              <a:ext uri="{FF2B5EF4-FFF2-40B4-BE49-F238E27FC236}">
-                <a16:creationId xmlns:a16="http://schemas.microsoft.com/office/drawing/2014/main" id="{0AE63D98-F2D8-CED8-59B5-8723CFA0ABC6}"/>
+          <p:cNvPr id="1028" name="Picture 4" descr="Minimum spanning tree - Wikipedia">
+            <a:extLst>
+              <a:ext uri="{FF2B5EF4-FFF2-40B4-BE49-F238E27FC236}">
+                <a16:creationId xmlns:a16="http://schemas.microsoft.com/office/drawing/2014/main" id="{6811F5C8-678D-FB24-296F-A119734E67FD}"/>
               </a:ext>
             </a:extLst>
           </p:cNvPr>
@@ -15167,8 +15568,8 @@
         </p:blipFill>
         <p:spPr bwMode="auto">
           <a:xfrm>
-            <a:off x="6232917" y="2152292"/>
-            <a:ext cx="5413601" cy="2553415"/>
+            <a:off x="6717307" y="1611076"/>
+            <a:ext cx="5373189" cy="4334673"/>
           </a:xfrm>
           <a:prstGeom prst="rect">
             <a:avLst/>
@@ -15188,7 +15589,7 @@
     </p:spTree>
     <p:extLst>
       <p:ext uri="{BB962C8B-B14F-4D97-AF65-F5344CB8AC3E}">
-        <p14:creationId xmlns:p14="http://schemas.microsoft.com/office/powerpoint/2010/main" val="1581711802"/>
+        <p14:creationId xmlns:p14="http://schemas.microsoft.com/office/powerpoint/2010/main" val="1922245792"/>
       </p:ext>
     </p:extLst>
   </p:cSld>
@@ -15215,6 +15616,227 @@
           <a:chExt cx="0" cy="0"/>
         </a:xfrm>
       </p:grpSpPr>
+      <p:sp>
+        <p:nvSpPr>
+          <p:cNvPr id="3" name="Заголовок 2">
+            <a:extLst>
+              <a:ext uri="{FF2B5EF4-FFF2-40B4-BE49-F238E27FC236}">
+                <a16:creationId xmlns:a16="http://schemas.microsoft.com/office/drawing/2014/main" id="{2D9090A9-1C7B-573D-3E7B-9E2883A0E553}"/>
+              </a:ext>
+            </a:extLst>
+          </p:cNvPr>
+          <p:cNvSpPr>
+            <a:spLocks noGrp="1"/>
+          </p:cNvSpPr>
+          <p:nvPr>
+            <p:ph type="title"/>
+          </p:nvPr>
+        </p:nvSpPr>
+        <p:spPr>
+          <a:xfrm>
+            <a:off x="585896" y="1076147"/>
+            <a:ext cx="5245560" cy="777025"/>
+          </a:xfrm>
+        </p:spPr>
+        <p:txBody>
+          <a:bodyPr/>
+          <a:lstStyle/>
+          <a:p>
+            <a:r>
+              <a:rPr lang="ru-RU" b="1" dirty="0"/>
+              <a:t>Алгоритм Прима</a:t>
+            </a:r>
+          </a:p>
+        </p:txBody>
+      </p:sp>
+      <p:sp>
+        <p:nvSpPr>
+          <p:cNvPr id="4" name="Текст 3">
+            <a:extLst>
+              <a:ext uri="{FF2B5EF4-FFF2-40B4-BE49-F238E27FC236}">
+                <a16:creationId xmlns:a16="http://schemas.microsoft.com/office/drawing/2014/main" id="{F47F7E62-7DC2-AC80-75A3-5A41BE66DA7B}"/>
+              </a:ext>
+            </a:extLst>
+          </p:cNvPr>
+          <p:cNvSpPr>
+            <a:spLocks noGrp="1"/>
+          </p:cNvSpPr>
+          <p:nvPr>
+            <p:ph type="body" sz="quarter" idx="12"/>
+          </p:nvPr>
+        </p:nvSpPr>
+        <p:spPr>
+          <a:xfrm>
+            <a:off x="585896" y="1598012"/>
+            <a:ext cx="5373189" cy="4663440"/>
+          </a:xfrm>
+        </p:spPr>
+        <p:txBody>
+          <a:bodyPr>
+            <a:normAutofit/>
+          </a:bodyPr>
+          <a:lstStyle/>
+          <a:p>
+            <a:pPr marL="342900" indent="-342900">
+              <a:buFont typeface="Arial" panose="020B0604020202020204" pitchFamily="34" charset="0"/>
+              <a:buChar char="•"/>
+            </a:pPr>
+            <a:r>
+              <a:rPr lang="ru-RU" sz="2000" dirty="0"/>
+              <a:t>Искомый минимальный остов строится постепенно, добавлением в него рёбер по одному.</a:t>
+            </a:r>
+            <a:endParaRPr lang="en-US" sz="2000" dirty="0"/>
+          </a:p>
+          <a:p>
+            <a:pPr marL="342900" indent="-342900">
+              <a:buFont typeface="Arial" panose="020B0604020202020204" pitchFamily="34" charset="0"/>
+              <a:buChar char="•"/>
+            </a:pPr>
+            <a:r>
+              <a:rPr lang="ru-RU" sz="2000" dirty="0"/>
+              <a:t>Изначально остов полагается состоящим из единственной вершины</a:t>
+            </a:r>
+            <a:endParaRPr lang="en-US" sz="2000" dirty="0"/>
+          </a:p>
+          <a:p>
+            <a:pPr marL="342900" indent="-342900">
+              <a:buFont typeface="Arial" panose="020B0604020202020204" pitchFamily="34" charset="0"/>
+              <a:buChar char="•"/>
+            </a:pPr>
+            <a:r>
+              <a:rPr lang="ru-RU" sz="2000" dirty="0"/>
+              <a:t>Затем выбирается ребро минимального веса, исходящее из этой вершины, и добавляется в минимальный остов.</a:t>
+            </a:r>
+            <a:endParaRPr lang="en-US" sz="2000" dirty="0"/>
+          </a:p>
+          <a:p>
+            <a:pPr marL="342900" indent="-342900">
+              <a:buFont typeface="Arial" panose="020B0604020202020204" pitchFamily="34" charset="0"/>
+              <a:buChar char="•"/>
+            </a:pPr>
+            <a:r>
+              <a:rPr lang="ru-RU" sz="2000" dirty="0"/>
+              <a:t>Всякий раз ищется минимальное по весу ребро, один конец которого — уже взятая в остов вершина, а другой конец — ещё не взятая, и это ребро добавляется в остов</a:t>
+            </a:r>
+            <a:r>
+              <a:rPr lang="en-US" sz="2000" dirty="0"/>
+              <a:t>.</a:t>
+            </a:r>
+          </a:p>
+          <a:p>
+            <a:pPr marL="342900" indent="-342900">
+              <a:buFont typeface="Arial" panose="020B0604020202020204" pitchFamily="34" charset="0"/>
+              <a:buChar char="•"/>
+            </a:pPr>
+            <a:endParaRPr lang="ru-RU" sz="2000" dirty="0"/>
+          </a:p>
+        </p:txBody>
+      </p:sp>
+      <p:sp>
+        <p:nvSpPr>
+          <p:cNvPr id="5" name="Текст 4">
+            <a:extLst>
+              <a:ext uri="{FF2B5EF4-FFF2-40B4-BE49-F238E27FC236}">
+                <a16:creationId xmlns:a16="http://schemas.microsoft.com/office/drawing/2014/main" id="{C148AB9A-79C6-117B-AB17-505FF6041D33}"/>
+              </a:ext>
+            </a:extLst>
+          </p:cNvPr>
+          <p:cNvSpPr>
+            <a:spLocks noGrp="1"/>
+          </p:cNvSpPr>
+          <p:nvPr>
+            <p:ph type="body" sz="quarter" idx="13"/>
+          </p:nvPr>
+        </p:nvSpPr>
+        <p:spPr/>
+        <p:txBody>
+          <a:bodyPr/>
+          <a:lstStyle/>
+          <a:p>
+            <a:r>
+              <a:rPr lang="ru-RU" dirty="0"/>
+              <a:t>ФКН ПМИ</a:t>
+            </a:r>
+          </a:p>
+        </p:txBody>
+      </p:sp>
+      <p:pic>
+        <p:nvPicPr>
+          <p:cNvPr id="3076" name="Picture 4" descr="Graphs in Python - Theory and Implementation - Minimum Spanning Trees - Prim's  Algorithm">
+            <a:extLst>
+              <a:ext uri="{FF2B5EF4-FFF2-40B4-BE49-F238E27FC236}">
+                <a16:creationId xmlns:a16="http://schemas.microsoft.com/office/drawing/2014/main" id="{0AE63D98-F2D8-CED8-59B5-8723CFA0ABC6}"/>
+              </a:ext>
+            </a:extLst>
+          </p:cNvPr>
+          <p:cNvPicPr>
+            <a:picLocks noChangeAspect="1" noChangeArrowheads="1"/>
+          </p:cNvPicPr>
+          <p:nvPr/>
+        </p:nvPicPr>
+        <p:blipFill>
+          <a:blip r:embed="rId2">
+            <a:extLst>
+              <a:ext uri="{28A0092B-C50C-407E-A947-70E740481C1C}">
+                <a14:useLocalDpi xmlns:a14="http://schemas.microsoft.com/office/drawing/2010/main" val="0"/>
+              </a:ext>
+            </a:extLst>
+          </a:blip>
+          <a:srcRect/>
+          <a:stretch>
+            <a:fillRect/>
+          </a:stretch>
+        </p:blipFill>
+        <p:spPr bwMode="auto">
+          <a:xfrm>
+            <a:off x="6232917" y="2152292"/>
+            <a:ext cx="5413601" cy="2553415"/>
+          </a:xfrm>
+          <a:prstGeom prst="rect">
+            <a:avLst/>
+          </a:prstGeom>
+          <a:noFill/>
+          <a:extLst>
+            <a:ext uri="{909E8E84-426E-40DD-AFC4-6F175D3DCCD1}">
+              <a14:hiddenFill xmlns:a14="http://schemas.microsoft.com/office/drawing/2010/main">
+                <a:solidFill>
+                  <a:srgbClr val="FFFFFF"/>
+                </a:solidFill>
+              </a14:hiddenFill>
+            </a:ext>
+          </a:extLst>
+        </p:spPr>
+      </p:pic>
+    </p:spTree>
+    <p:extLst>
+      <p:ext uri="{BB962C8B-B14F-4D97-AF65-F5344CB8AC3E}">
+        <p14:creationId xmlns:p14="http://schemas.microsoft.com/office/powerpoint/2010/main" val="1581711802"/>
+      </p:ext>
+    </p:extLst>
+  </p:cSld>
+  <p:clrMapOvr>
+    <a:masterClrMapping/>
+  </p:clrMapOvr>
+</p:sld>
+</file>
+
+<file path=ppt/slides/slide6.xml><?xml version="1.0" encoding="utf-8"?>
+<p:sld xmlns:a="http://schemas.openxmlformats.org/drawingml/2006/main" xmlns:r="http://schemas.openxmlformats.org/officeDocument/2006/relationships" xmlns:p="http://schemas.openxmlformats.org/presentationml/2006/main">
+  <p:cSld>
+    <p:spTree>
+      <p:nvGrpSpPr>
+        <p:cNvPr id="1" name=""/>
+        <p:cNvGrpSpPr/>
+        <p:nvPr/>
+      </p:nvGrpSpPr>
+      <p:grpSpPr>
+        <a:xfrm>
+          <a:off x="0" y="0"/>
+          <a:ext cx="0" cy="0"/>
+          <a:chOff x="0" y="0"/>
+          <a:chExt cx="0" cy="0"/>
+        </a:xfrm>
+      </p:grpSpPr>
       <p:pic>
         <p:nvPicPr>
           <p:cNvPr id="8" name="Picture 7" descr="A picture containing chart&#10;&#10;Description automatically generated">
@@ -15431,7 +16053,7 @@
 </p:sld>
 </file>
 
-<file path=ppt/slides/slide6.xml><?xml version="1.0" encoding="utf-8"?>
+<file path=ppt/slides/slide7.xml><?xml version="1.0" encoding="utf-8"?>
 <p:sld xmlns:a="http://schemas.openxmlformats.org/drawingml/2006/main" xmlns:r="http://schemas.openxmlformats.org/officeDocument/2006/relationships" xmlns:p="http://schemas.openxmlformats.org/presentationml/2006/main">
   <p:cSld>
     <p:spTree>
@@ -16187,7 +16809,7 @@
 </p:sld>
 </file>
 
-<file path=ppt/slides/slide7.xml><?xml version="1.0" encoding="utf-8"?>
+<file path=ppt/slides/slide8.xml><?xml version="1.0" encoding="utf-8"?>
 <p:sld xmlns:a="http://schemas.openxmlformats.org/drawingml/2006/main" xmlns:r="http://schemas.openxmlformats.org/officeDocument/2006/relationships" xmlns:p="http://schemas.openxmlformats.org/presentationml/2006/main">
   <p:cSld>
     <p:spTree>
@@ -16204,6 +16826,36 @@
           <a:chExt cx="0" cy="0"/>
         </a:xfrm>
       </p:grpSpPr>
+      <p:pic>
+        <p:nvPicPr>
+          <p:cNvPr id="6" name="Picture 5" descr="Text, letter&#10;&#10;Description automatically generated">
+            <a:extLst>
+              <a:ext uri="{FF2B5EF4-FFF2-40B4-BE49-F238E27FC236}">
+                <a16:creationId xmlns:a16="http://schemas.microsoft.com/office/drawing/2014/main" id="{F9F27EAA-8139-F6AB-976F-D679A0B551A2}"/>
+              </a:ext>
+            </a:extLst>
+          </p:cNvPr>
+          <p:cNvPicPr>
+            <a:picLocks noChangeAspect="1"/>
+          </p:cNvPicPr>
+          <p:nvPr/>
+        </p:nvPicPr>
+        <p:blipFill>
+          <a:blip r:embed="rId2"/>
+          <a:stretch>
+            <a:fillRect/>
+          </a:stretch>
+        </p:blipFill>
+        <p:spPr>
+          <a:xfrm>
+            <a:off x="5409006" y="1987826"/>
+            <a:ext cx="6570959" cy="3979873"/>
+          </a:xfrm>
+          <a:prstGeom prst="rect">
+            <a:avLst/>
+          </a:prstGeom>
+        </p:spPr>
+      </p:pic>
       <p:sp>
         <p:nvSpPr>
           <p:cNvPr id="3" name="Заголовок 2">
@@ -16553,7 +17205,7 @@
                 <a:ext cx="5373189" cy="4079003"/>
               </a:xfrm>
               <a:blipFill>
-                <a:blip r:embed="rId2"/>
+                <a:blip r:embed="rId3"/>
                 <a:stretch>
                   <a:fillRect l="-2834" t="-1943" r="-1587"/>
                 </a:stretch>
@@ -16602,270 +17254,10 @@
           </a:p>
         </p:txBody>
       </p:sp>
-      <p:pic>
-        <p:nvPicPr>
-          <p:cNvPr id="6146" name="Picture 2" descr="Student's t-distribution - Wikipedia">
-            <a:extLst>
-              <a:ext uri="{FF2B5EF4-FFF2-40B4-BE49-F238E27FC236}">
-                <a16:creationId xmlns:a16="http://schemas.microsoft.com/office/drawing/2014/main" id="{39E35C76-4FD0-9796-B90E-3083D0C5F2AF}"/>
-              </a:ext>
-            </a:extLst>
-          </p:cNvPr>
-          <p:cNvPicPr>
-            <a:picLocks noChangeAspect="1" noChangeArrowheads="1"/>
-          </p:cNvPicPr>
-          <p:nvPr/>
-        </p:nvPicPr>
-        <p:blipFill>
-          <a:blip r:embed="rId3">
-            <a:extLst>
-              <a:ext uri="{28A0092B-C50C-407E-A947-70E740481C1C}">
-                <a14:useLocalDpi xmlns:a14="http://schemas.microsoft.com/office/drawing/2010/main" val="0"/>
-              </a:ext>
-            </a:extLst>
-          </a:blip>
-          <a:srcRect/>
-          <a:stretch>
-            <a:fillRect/>
-          </a:stretch>
-        </p:blipFill>
-        <p:spPr bwMode="auto">
-          <a:xfrm>
-            <a:off x="6280812" y="2238092"/>
-            <a:ext cx="4995433" cy="3996346"/>
-          </a:xfrm>
-          <a:prstGeom prst="rect">
-            <a:avLst/>
-          </a:prstGeom>
-          <a:noFill/>
-          <a:extLst>
-            <a:ext uri="{909E8E84-426E-40DD-AFC4-6F175D3DCCD1}">
-              <a14:hiddenFill xmlns:a14="http://schemas.microsoft.com/office/drawing/2010/main">
-                <a:solidFill>
-                  <a:srgbClr val="FFFFFF"/>
-                </a:solidFill>
-              </a14:hiddenFill>
-            </a:ext>
-          </a:extLst>
-        </p:spPr>
-      </p:pic>
     </p:spTree>
     <p:extLst>
       <p:ext uri="{BB962C8B-B14F-4D97-AF65-F5344CB8AC3E}">
         <p14:creationId xmlns:p14="http://schemas.microsoft.com/office/powerpoint/2010/main" val="1369644761"/>
-      </p:ext>
-    </p:extLst>
-  </p:cSld>
-  <p:clrMapOvr>
-    <a:masterClrMapping/>
-  </p:clrMapOvr>
-</p:sld>
-</file>
-
-<file path=ppt/slides/slide8.xml><?xml version="1.0" encoding="utf-8"?>
-<p:sld xmlns:a="http://schemas.openxmlformats.org/drawingml/2006/main" xmlns:r="http://schemas.openxmlformats.org/officeDocument/2006/relationships" xmlns:p="http://schemas.openxmlformats.org/presentationml/2006/main">
-  <p:cSld>
-    <p:spTree>
-      <p:nvGrpSpPr>
-        <p:cNvPr id="1" name=""/>
-        <p:cNvGrpSpPr/>
-        <p:nvPr/>
-      </p:nvGrpSpPr>
-      <p:grpSpPr>
-        <a:xfrm>
-          <a:off x="0" y="0"/>
-          <a:ext cx="0" cy="0"/>
-          <a:chOff x="0" y="0"/>
-          <a:chExt cx="0" cy="0"/>
-        </a:xfrm>
-      </p:grpSpPr>
-      <p:pic>
-        <p:nvPicPr>
-          <p:cNvPr id="7" name="Picture 6" descr="Chart, scatter chart&#10;&#10;Description automatically generated">
-            <a:extLst>
-              <a:ext uri="{FF2B5EF4-FFF2-40B4-BE49-F238E27FC236}">
-                <a16:creationId xmlns:a16="http://schemas.microsoft.com/office/drawing/2014/main" id="{13FE360E-2E8C-CBC0-3982-B571BF18A5E5}"/>
-              </a:ext>
-            </a:extLst>
-          </p:cNvPr>
-          <p:cNvPicPr>
-            <a:picLocks noChangeAspect="1"/>
-          </p:cNvPicPr>
-          <p:nvPr/>
-        </p:nvPicPr>
-        <p:blipFill>
-          <a:blip r:embed="rId2"/>
-          <a:stretch>
-            <a:fillRect/>
-          </a:stretch>
-        </p:blipFill>
-        <p:spPr>
-          <a:xfrm>
-            <a:off x="5615098" y="1458794"/>
-            <a:ext cx="6351814" cy="5081451"/>
-          </a:xfrm>
-          <a:prstGeom prst="rect">
-            <a:avLst/>
-          </a:prstGeom>
-        </p:spPr>
-      </p:pic>
-      <p:sp>
-        <p:nvSpPr>
-          <p:cNvPr id="3" name="Заголовок 2">
-            <a:extLst>
-              <a:ext uri="{FF2B5EF4-FFF2-40B4-BE49-F238E27FC236}">
-                <a16:creationId xmlns:a16="http://schemas.microsoft.com/office/drawing/2014/main" id="{2D9090A9-1C7B-573D-3E7B-9E2883A0E553}"/>
-              </a:ext>
-            </a:extLst>
-          </p:cNvPr>
-          <p:cNvSpPr>
-            <a:spLocks noGrp="1"/>
-          </p:cNvSpPr>
-          <p:nvPr>
-            <p:ph type="title"/>
-          </p:nvPr>
-        </p:nvSpPr>
-        <p:spPr>
-          <a:xfrm>
-            <a:off x="538001" y="1461068"/>
-            <a:ext cx="5245560" cy="777025"/>
-          </a:xfrm>
-        </p:spPr>
-        <p:txBody>
-          <a:bodyPr/>
-          <a:lstStyle/>
-          <a:p>
-            <a:r>
-              <a:rPr lang="en-US" b="1" dirty="0"/>
-              <a:t>Experiments</a:t>
-            </a:r>
-            <a:endParaRPr lang="ru-RU" dirty="0"/>
-          </a:p>
-        </p:txBody>
-      </p:sp>
-      <p:sp>
-        <p:nvSpPr>
-          <p:cNvPr id="4" name="Текст 3">
-            <a:extLst>
-              <a:ext uri="{FF2B5EF4-FFF2-40B4-BE49-F238E27FC236}">
-                <a16:creationId xmlns:a16="http://schemas.microsoft.com/office/drawing/2014/main" id="{F47F7E62-7DC2-AC80-75A3-5A41BE66DA7B}"/>
-              </a:ext>
-            </a:extLst>
-          </p:cNvPr>
-          <p:cNvSpPr>
-            <a:spLocks noGrp="1"/>
-          </p:cNvSpPr>
-          <p:nvPr>
-            <p:ph type="body" sz="quarter" idx="12"/>
-          </p:nvPr>
-        </p:nvSpPr>
-        <p:spPr>
-          <a:xfrm>
-            <a:off x="538001" y="1947319"/>
-            <a:ext cx="5373189" cy="4079003"/>
-          </a:xfrm>
-        </p:spPr>
-        <p:txBody>
-          <a:bodyPr>
-            <a:normAutofit/>
-          </a:bodyPr>
-          <a:lstStyle/>
-          <a:p>
-            <a:r>
-              <a:rPr lang="ru-RU" sz="2000" dirty="0"/>
-              <a:t>В качестве эксперимента мы сгенерировали синтетические данные состоящие из двух целевых переменных</a:t>
-            </a:r>
-            <a:r>
-              <a:rPr lang="en-US" sz="2000" dirty="0"/>
-              <a:t>, </a:t>
-            </a:r>
-            <a:r>
-              <a:rPr lang="ru-RU" sz="2000" dirty="0"/>
-              <a:t>двух зашумленных </a:t>
-            </a:r>
-            <a:r>
-              <a:rPr lang="ru-RU" sz="2000" dirty="0" err="1"/>
-              <a:t>таргетов</a:t>
-            </a:r>
-            <a:r>
-              <a:rPr lang="ru-RU" sz="2000" dirty="0"/>
-              <a:t> и шумовых признаков</a:t>
-            </a:r>
-            <a:r>
-              <a:rPr lang="en-US" sz="2000" dirty="0"/>
-              <a:t>. </a:t>
-            </a:r>
-            <a:r>
-              <a:rPr lang="ru-RU" sz="2000" dirty="0"/>
-              <a:t>Общее количество признаков – 100</a:t>
-            </a:r>
-            <a:r>
-              <a:rPr lang="en-US" sz="2000" dirty="0"/>
-              <a:t>.</a:t>
-            </a:r>
-          </a:p>
-          <a:p>
-            <a:r>
-              <a:rPr lang="ru-RU" sz="2000" dirty="0"/>
-              <a:t>Все построения графиков выполнялись на 2</a:t>
-            </a:r>
-            <a:r>
-              <a:rPr lang="en-US" sz="2000" dirty="0"/>
-              <a:t>D </a:t>
-            </a:r>
-            <a:r>
-              <a:rPr lang="ru-RU" sz="2000" dirty="0"/>
-              <a:t>плоскости с использованием только двух переменных</a:t>
-            </a:r>
-            <a:r>
-              <a:rPr lang="en-US" sz="2000" dirty="0"/>
-              <a:t>.</a:t>
-            </a:r>
-            <a:endParaRPr lang="ru-RU" sz="2000" dirty="0"/>
-          </a:p>
-          <a:p>
-            <a:endParaRPr lang="en-US" sz="2000" dirty="0"/>
-          </a:p>
-          <a:p>
-            <a:endParaRPr lang="en-US" sz="2000" dirty="0"/>
-          </a:p>
-          <a:p>
-            <a:endParaRPr lang="en-US" sz="2000" dirty="0"/>
-          </a:p>
-        </p:txBody>
-      </p:sp>
-      <p:sp>
-        <p:nvSpPr>
-          <p:cNvPr id="5" name="Текст 4">
-            <a:extLst>
-              <a:ext uri="{FF2B5EF4-FFF2-40B4-BE49-F238E27FC236}">
-                <a16:creationId xmlns:a16="http://schemas.microsoft.com/office/drawing/2014/main" id="{C148AB9A-79C6-117B-AB17-505FF6041D33}"/>
-              </a:ext>
-            </a:extLst>
-          </p:cNvPr>
-          <p:cNvSpPr>
-            <a:spLocks noGrp="1"/>
-          </p:cNvSpPr>
-          <p:nvPr>
-            <p:ph type="body" sz="quarter" idx="13"/>
-          </p:nvPr>
-        </p:nvSpPr>
-        <p:spPr/>
-        <p:txBody>
-          <a:bodyPr/>
-          <a:lstStyle/>
-          <a:p>
-            <a:r>
-              <a:rPr lang="ru-RU" dirty="0"/>
-              <a:t>ФКН ПМИ</a:t>
-            </a:r>
-          </a:p>
-        </p:txBody>
-      </p:sp>
-    </p:spTree>
-    <p:extLst>
-      <p:ext uri="{BB962C8B-B14F-4D97-AF65-F5344CB8AC3E}">
-        <p14:creationId xmlns:p14="http://schemas.microsoft.com/office/powerpoint/2010/main" val="2606560878"/>
       </p:ext>
     </p:extLst>
   </p:cSld>
@@ -16894,10 +17286,10 @@
       </p:grpSpPr>
       <p:pic>
         <p:nvPicPr>
-          <p:cNvPr id="9" name="Picture 8" descr="Chart, scatter chart&#10;&#10;Description automatically generated">
-            <a:extLst>
-              <a:ext uri="{FF2B5EF4-FFF2-40B4-BE49-F238E27FC236}">
-                <a16:creationId xmlns:a16="http://schemas.microsoft.com/office/drawing/2014/main" id="{D19CF22D-7242-FFAE-9BB6-35897E9A5025}"/>
+          <p:cNvPr id="7" name="Picture 6" descr="Chart, scatter chart&#10;&#10;Description automatically generated">
+            <a:extLst>
+              <a:ext uri="{FF2B5EF4-FFF2-40B4-BE49-F238E27FC236}">
+                <a16:creationId xmlns:a16="http://schemas.microsoft.com/office/drawing/2014/main" id="{13FE360E-2E8C-CBC0-3982-B571BF18A5E5}"/>
               </a:ext>
             </a:extLst>
           </p:cNvPr>
@@ -16914,8 +17306,8 @@
         </p:blipFill>
         <p:spPr>
           <a:xfrm>
-            <a:off x="5518566" y="1267097"/>
-            <a:ext cx="6498771" cy="5199017"/>
+            <a:off x="5615098" y="1458794"/>
+            <a:ext cx="6351814" cy="5081451"/>
           </a:xfrm>
           <a:prstGeom prst="rect">
             <a:avLst/>
@@ -16956,258 +17348,97 @@
           </a:p>
         </p:txBody>
       </p:sp>
-      <mc:AlternateContent xmlns:mc="http://schemas.openxmlformats.org/markup-compatibility/2006" xmlns:a14="http://schemas.microsoft.com/office/drawing/2010/main">
-        <mc:Choice Requires="a14">
-          <p:sp>
-            <p:nvSpPr>
-              <p:cNvPr id="4" name="Текст 3">
-                <a:extLst>
-                  <a:ext uri="{FF2B5EF4-FFF2-40B4-BE49-F238E27FC236}">
-                    <a16:creationId xmlns:a16="http://schemas.microsoft.com/office/drawing/2014/main" id="{F47F7E62-7DC2-AC80-75A3-5A41BE66DA7B}"/>
-                  </a:ext>
-                </a:extLst>
-              </p:cNvPr>
-              <p:cNvSpPr>
-                <a:spLocks noGrp="1"/>
-              </p:cNvSpPr>
-              <p:nvPr>
-                <p:ph type="body" sz="quarter" idx="12"/>
-              </p:nvPr>
-            </p:nvSpPr>
-            <p:spPr>
-              <a:xfrm>
-                <a:off x="538001" y="1960019"/>
-                <a:ext cx="5373189" cy="4079003"/>
-              </a:xfrm>
-            </p:spPr>
-            <p:txBody>
-              <a:bodyPr>
-                <a:normAutofit fontScale="92500"/>
-              </a:bodyPr>
-              <a:lstStyle/>
-              <a:p>
-                <a:r>
-                  <a:rPr lang="ru-RU" sz="2000" dirty="0"/>
-                  <a:t>Запустив алгоритм на данных признаках</a:t>
-                </a:r>
-                <a:r>
-                  <a:rPr lang="en-US" sz="2000" dirty="0"/>
-                  <a:t>, </a:t>
-                </a:r>
-                <a:r>
-                  <a:rPr lang="ru-RU" sz="2000" dirty="0"/>
-                  <a:t>мы получили несколько разбиений</a:t>
-                </a:r>
-                <a:r>
-                  <a:rPr lang="en-US" sz="2000" dirty="0"/>
-                  <a:t>, </a:t>
-                </a:r>
-                <a:r>
-                  <a:rPr lang="ru-RU" sz="2000" dirty="0"/>
-                  <a:t>одно из которых полностью совпало с ожидаемыми классами</a:t>
-                </a:r>
-                <a:r>
-                  <a:rPr lang="en-US" sz="2000" dirty="0"/>
-                  <a:t>.</a:t>
-                </a:r>
-              </a:p>
-              <a:p>
-                <a:r>
-                  <a:rPr lang="ru-RU" sz="2000" dirty="0"/>
-                  <a:t>Полученные разбиения</a:t>
-                </a:r>
-                <a:r>
-                  <a:rPr lang="en-US" sz="2000" dirty="0"/>
-                  <a:t>:</a:t>
-                </a:r>
-              </a:p>
-              <a:p>
-                <a14:m>
-                  <m:oMath xmlns:m="http://schemas.openxmlformats.org/officeDocument/2006/math">
-                    <m:sSub>
-                      <m:sSubPr>
-                        <m:ctrlPr>
-                          <a:rPr lang="en-US" sz="2000" b="0" i="1" smtClean="0">
-                            <a:latin typeface="Cambria Math" panose="02040503050406030204" pitchFamily="18" charset="0"/>
-                          </a:rPr>
-                        </m:ctrlPr>
-                      </m:sSubPr>
-                      <m:e>
-                        <m:r>
-                          <a:rPr lang="en-US" sz="2000" b="0" i="1" smtClean="0">
-                            <a:latin typeface="Cambria Math" panose="02040503050406030204" pitchFamily="18" charset="0"/>
-                          </a:rPr>
-                          <m:t>𝐹</m:t>
-                        </m:r>
-                      </m:e>
-                      <m:sub>
-                        <m:r>
-                          <a:rPr lang="en-US" sz="2000" b="0" i="1" smtClean="0">
-                            <a:latin typeface="Cambria Math" panose="02040503050406030204" pitchFamily="18" charset="0"/>
-                          </a:rPr>
-                          <m:t>1</m:t>
-                        </m:r>
-                      </m:sub>
-                    </m:sSub>
-                  </m:oMath>
-                </a14:m>
-                <a:r>
-                  <a:rPr lang="en-US" sz="2000" dirty="0"/>
-                  <a:t> = 2, 3 – </a:t>
-                </a:r>
-                <a:r>
-                  <a:rPr lang="ru-RU" sz="2000" dirty="0"/>
-                  <a:t>зашумленные </a:t>
-                </a:r>
-                <a:r>
-                  <a:rPr lang="ru-RU" sz="2000" dirty="0" err="1"/>
-                  <a:t>таргеты</a:t>
-                </a:r>
-                <a:endParaRPr lang="en-US" sz="2000" dirty="0"/>
-              </a:p>
-              <a:p>
-                <a14:m>
-                  <m:oMath xmlns:m="http://schemas.openxmlformats.org/officeDocument/2006/math">
-                    <m:sSub>
-                      <m:sSubPr>
-                        <m:ctrlPr>
-                          <a:rPr lang="en-US" sz="2000" b="0" i="1" smtClean="0">
-                            <a:latin typeface="Cambria Math" panose="02040503050406030204" pitchFamily="18" charset="0"/>
-                          </a:rPr>
-                        </m:ctrlPr>
-                      </m:sSubPr>
-                      <m:e>
-                        <m:r>
-                          <a:rPr lang="en-US" sz="2000" b="0" i="1" smtClean="0">
-                            <a:latin typeface="Cambria Math" panose="02040503050406030204" pitchFamily="18" charset="0"/>
-                          </a:rPr>
-                          <m:t>𝐹</m:t>
-                        </m:r>
-                      </m:e>
-                      <m:sub>
-                        <m:r>
-                          <a:rPr lang="en-US" sz="2000" b="0" i="1" smtClean="0">
-                            <a:latin typeface="Cambria Math" panose="02040503050406030204" pitchFamily="18" charset="0"/>
-                          </a:rPr>
-                          <m:t>2</m:t>
-                        </m:r>
-                      </m:sub>
-                    </m:sSub>
-                  </m:oMath>
-                </a14:m>
-                <a:r>
-                  <a:rPr lang="en-US" sz="2000" dirty="0"/>
-                  <a:t> = 0, 1, 50, 66</a:t>
-                </a:r>
-                <a:r>
-                  <a:rPr lang="ru-RU" sz="2000" dirty="0"/>
-                  <a:t> – </a:t>
-                </a:r>
-                <a:r>
-                  <a:rPr lang="ru-RU" sz="2000" dirty="0" err="1"/>
-                  <a:t>таргеты</a:t>
-                </a:r>
-                <a:r>
-                  <a:rPr lang="ru-RU" sz="2000" dirty="0"/>
-                  <a:t> и два шума</a:t>
-                </a:r>
-                <a:endParaRPr lang="en-US" sz="2000" dirty="0"/>
-              </a:p>
-              <a:p>
-                <a14:m>
-                  <m:oMath xmlns:m="http://schemas.openxmlformats.org/officeDocument/2006/math">
-                    <m:sSub>
-                      <m:sSubPr>
-                        <m:ctrlPr>
-                          <a:rPr lang="en-US" sz="2000" b="0" i="1" smtClean="0">
-                            <a:latin typeface="Cambria Math" panose="02040503050406030204" pitchFamily="18" charset="0"/>
-                          </a:rPr>
-                        </m:ctrlPr>
-                      </m:sSubPr>
-                      <m:e>
-                        <m:r>
-                          <a:rPr lang="en-US" sz="2000" b="0" i="1" smtClean="0">
-                            <a:latin typeface="Cambria Math" panose="02040503050406030204" pitchFamily="18" charset="0"/>
-                          </a:rPr>
-                          <m:t>𝐹</m:t>
-                        </m:r>
-                      </m:e>
-                      <m:sub>
-                        <m:r>
-                          <a:rPr lang="en-US" sz="2000" b="0" i="1" smtClean="0">
-                            <a:latin typeface="Cambria Math" panose="02040503050406030204" pitchFamily="18" charset="0"/>
-                          </a:rPr>
-                          <m:t>3</m:t>
-                        </m:r>
-                      </m:sub>
-                    </m:sSub>
-                  </m:oMath>
-                </a14:m>
-                <a:r>
-                  <a:rPr lang="en-US" sz="2000" dirty="0"/>
-                  <a:t> = 40, 80, 81</a:t>
-                </a:r>
-                <a:r>
-                  <a:rPr lang="ru-RU" sz="2000" dirty="0"/>
-                  <a:t> – шумы</a:t>
-                </a:r>
-              </a:p>
-              <a:p>
-                <a:endParaRPr lang="en-US" sz="2000" dirty="0"/>
-              </a:p>
-              <a:p>
-                <a:endParaRPr lang="en-US" sz="2000" dirty="0"/>
-              </a:p>
-              <a:p>
-                <a:endParaRPr lang="en-US" sz="2000" dirty="0"/>
-              </a:p>
-            </p:txBody>
-          </p:sp>
-        </mc:Choice>
-        <mc:Fallback xmlns="">
-          <p:sp>
-            <p:nvSpPr>
-              <p:cNvPr id="4" name="Текст 3">
-                <a:extLst>
-                  <a:ext uri="{FF2B5EF4-FFF2-40B4-BE49-F238E27FC236}">
-                    <a16:creationId xmlns:a16="http://schemas.microsoft.com/office/drawing/2014/main" id="{F47F7E62-7DC2-AC80-75A3-5A41BE66DA7B}"/>
-                  </a:ext>
-                </a:extLst>
-              </p:cNvPr>
-              <p:cNvSpPr>
-                <a:spLocks noGrp="1" noRot="1" noChangeAspect="1" noMove="1" noResize="1" noEditPoints="1" noAdjustHandles="1" noChangeArrowheads="1" noChangeShapeType="1" noTextEdit="1"/>
-              </p:cNvSpPr>
-              <p:nvPr>
-                <p:ph type="body" sz="quarter" idx="12"/>
-              </p:nvPr>
-            </p:nvSpPr>
-            <p:spPr>
-              <a:xfrm>
-                <a:off x="538001" y="1960019"/>
-                <a:ext cx="5373189" cy="4079003"/>
-              </a:xfrm>
-              <a:blipFill>
-                <a:blip r:embed="rId3"/>
-                <a:stretch>
-                  <a:fillRect l="-2830" t="-1863"/>
-                </a:stretch>
-              </a:blipFill>
-            </p:spPr>
-            <p:txBody>
-              <a:bodyPr/>
-              <a:lstStyle/>
-              <a:p>
-                <a:r>
-                  <a:rPr lang="en-RU">
-                    <a:noFill/>
-                  </a:rPr>
-                  <a:t> </a:t>
-                </a:r>
-              </a:p>
-            </p:txBody>
-          </p:sp>
-        </mc:Fallback>
-      </mc:AlternateContent>
+      <p:sp>
+        <p:nvSpPr>
+          <p:cNvPr id="4" name="Текст 3">
+            <a:extLst>
+              <a:ext uri="{FF2B5EF4-FFF2-40B4-BE49-F238E27FC236}">
+                <a16:creationId xmlns:a16="http://schemas.microsoft.com/office/drawing/2014/main" id="{F47F7E62-7DC2-AC80-75A3-5A41BE66DA7B}"/>
+              </a:ext>
+            </a:extLst>
+          </p:cNvPr>
+          <p:cNvSpPr>
+            <a:spLocks noGrp="1"/>
+          </p:cNvSpPr>
+          <p:nvPr>
+            <p:ph type="body" sz="quarter" idx="12"/>
+          </p:nvPr>
+        </p:nvSpPr>
+        <p:spPr>
+          <a:xfrm>
+            <a:off x="538001" y="1947319"/>
+            <a:ext cx="5373189" cy="4079003"/>
+          </a:xfrm>
+        </p:spPr>
+        <p:txBody>
+          <a:bodyPr>
+            <a:normAutofit/>
+          </a:bodyPr>
+          <a:lstStyle/>
+          <a:p>
+            <a:r>
+              <a:rPr lang="ru-RU" sz="2000" dirty="0"/>
+              <a:t>В качестве эксперимента мы сгенерировали синтетические данные состоящие из двух целевых переменных</a:t>
+            </a:r>
+            <a:r>
+              <a:rPr lang="en-US" sz="2000" dirty="0"/>
+              <a:t>, </a:t>
+            </a:r>
+            <a:r>
+              <a:rPr lang="ru-RU" sz="2000" dirty="0"/>
+              <a:t>двух зашумленных </a:t>
+            </a:r>
+            <a:r>
+              <a:rPr lang="ru-RU" sz="2000" dirty="0" err="1"/>
+              <a:t>таргетов</a:t>
+            </a:r>
+            <a:r>
+              <a:rPr lang="ru-RU" sz="2000" dirty="0"/>
+              <a:t> и шумовых признаков</a:t>
+            </a:r>
+            <a:r>
+              <a:rPr lang="en-US" sz="2000" dirty="0"/>
+              <a:t>. </a:t>
+            </a:r>
+            <a:r>
+              <a:rPr lang="ru-RU" sz="2000" dirty="0"/>
+              <a:t>Общее количество признаков – 100</a:t>
+            </a:r>
+            <a:r>
+              <a:rPr lang="en-US" sz="2000" dirty="0"/>
+              <a:t>.</a:t>
+            </a:r>
+          </a:p>
+          <a:p>
+            <a:r>
+              <a:rPr lang="ru-RU" sz="2000" dirty="0"/>
+              <a:t>Все построения графиков выполнялись на 2</a:t>
+            </a:r>
+            <a:r>
+              <a:rPr lang="en-US" sz="2000" dirty="0"/>
+              <a:t>D </a:t>
+            </a:r>
+            <a:r>
+              <a:rPr lang="ru-RU" sz="2000" dirty="0"/>
+              <a:t>плоскости с использованием только двух переменных</a:t>
+            </a:r>
+            <a:r>
+              <a:rPr lang="en-US" sz="2000" dirty="0"/>
+              <a:t>.</a:t>
+            </a:r>
+            <a:endParaRPr lang="ru-RU" sz="2000" dirty="0"/>
+          </a:p>
+          <a:p>
+            <a:endParaRPr lang="en-US" sz="2000" dirty="0"/>
+          </a:p>
+          <a:p>
+            <a:endParaRPr lang="en-US" sz="2000" dirty="0"/>
+          </a:p>
+          <a:p>
+            <a:endParaRPr lang="en-US" sz="2000" dirty="0"/>
+          </a:p>
+        </p:txBody>
+      </p:sp>
       <p:sp>
         <p:nvSpPr>
           <p:cNvPr id="5" name="Текст 4">
@@ -17239,7 +17470,7 @@
     </p:spTree>
     <p:extLst>
       <p:ext uri="{BB962C8B-B14F-4D97-AF65-F5344CB8AC3E}">
-        <p14:creationId xmlns:p14="http://schemas.microsoft.com/office/powerpoint/2010/main" val="2211578086"/>
+        <p14:creationId xmlns:p14="http://schemas.microsoft.com/office/powerpoint/2010/main" val="2606560878"/>
       </p:ext>
     </p:extLst>
   </p:cSld>
@@ -18151,12 +18382,6 @@
 </file>
 
 <file path=customXml/item1.xml><?xml version="1.0" encoding="utf-8"?>
-<p:properties xmlns:p="http://schemas.microsoft.com/office/2006/metadata/properties" xmlns:xsi="http://www.w3.org/2001/XMLSchema-instance" xmlns:pc="http://schemas.microsoft.com/office/infopath/2007/PartnerControls">
-  <documentManagement/>
-</p:properties>
-</file>
-
-<file path=customXml/item2.xml><?xml version="1.0" encoding="utf-8"?>
 <ct:contentTypeSchema xmlns:ct="http://schemas.microsoft.com/office/2006/metadata/contentType" xmlns:ma="http://schemas.microsoft.com/office/2006/metadata/properties/metaAttributes" ct:_="" ma:_="" ma:contentTypeName="Документ" ma:contentTypeID="0x0101002A9C74E6E830D74E9B0FDDB4017A5417" ma:contentTypeVersion="13" ma:contentTypeDescription="Создание документа." ma:contentTypeScope="" ma:versionID="d4e423622451d608a8a05f4da7a1e1a2">
   <xsd:schema xmlns:xsd="http://www.w3.org/2001/XMLSchema" xmlns:xs="http://www.w3.org/2001/XMLSchema" xmlns:p="http://schemas.microsoft.com/office/2006/metadata/properties" xmlns:ns2="9875bd71-cde8-496c-a136-433f55d5e6d0" xmlns:ns3="e96afe77-3acb-4328-97fc-408e1bde3ecd" targetNamespace="http://schemas.microsoft.com/office/2006/metadata/properties" ma:root="true" ma:fieldsID="4831203c63c08b9f52ea6d3ee0d7a96e" ns2:_="" ns3:_="">
     <xsd:import namespace="9875bd71-cde8-496c-a136-433f55d5e6d0"/>
@@ -18379,6 +18604,12 @@
 </ct:contentTypeSchema>
 </file>
 
+<file path=customXml/item2.xml><?xml version="1.0" encoding="utf-8"?>
+<p:properties xmlns:p="http://schemas.microsoft.com/office/2006/metadata/properties" xmlns:xsi="http://www.w3.org/2001/XMLSchema-instance" xmlns:pc="http://schemas.microsoft.com/office/infopath/2007/PartnerControls">
+  <documentManagement/>
+</p:properties>
+</file>
+
 <file path=customXml/item3.xml><?xml version="1.0" encoding="utf-8"?>
 <?mso-contentType ?>
 <FormTemplates xmlns="http://schemas.microsoft.com/sharepoint/v3/contenttype/forms">
@@ -18389,23 +18620,6 @@
 </file>
 
 <file path=customXml/itemProps1.xml><?xml version="1.0" encoding="utf-8"?>
-<ds:datastoreItem xmlns:ds="http://schemas.openxmlformats.org/officeDocument/2006/customXml" ds:itemID="{433DAF31-D8A6-49A0-9A5D-8B2EA5B1C511}">
-  <ds:schemaRefs>
-    <ds:schemaRef ds:uri="http://purl.org/dc/elements/1.1/"/>
-    <ds:schemaRef ds:uri="http://schemas.microsoft.com/office/2006/documentManagement/types"/>
-    <ds:schemaRef ds:uri="http://schemas.microsoft.com/office/infopath/2007/PartnerControls"/>
-    <ds:schemaRef ds:uri="http://purl.org/dc/dcmitype/"/>
-    <ds:schemaRef ds:uri="e96afe77-3acb-4328-97fc-408e1bde3ecd"/>
-    <ds:schemaRef ds:uri="http://schemas.microsoft.com/office/2006/metadata/properties"/>
-    <ds:schemaRef ds:uri="http://purl.org/dc/terms/"/>
-    <ds:schemaRef ds:uri="http://www.w3.org/XML/1998/namespace"/>
-    <ds:schemaRef ds:uri="http://schemas.openxmlformats.org/package/2006/metadata/core-properties"/>
-    <ds:schemaRef ds:uri="9875bd71-cde8-496c-a136-433f55d5e6d0"/>
-  </ds:schemaRefs>
-</ds:datastoreItem>
-</file>
-
-<file path=customXml/itemProps2.xml><?xml version="1.0" encoding="utf-8"?>
 <ds:datastoreItem xmlns:ds="http://schemas.openxmlformats.org/officeDocument/2006/customXml" ds:itemID="{4D4651DD-DCCC-4759-B2F6-7F520BDCC2B9}">
   <ds:schemaRefs>
     <ds:schemaRef ds:uri="http://schemas.microsoft.com/office/2006/metadata/contentType"/>
@@ -18424,6 +18638,23 @@
 </ds:datastoreItem>
 </file>
 
+<file path=customXml/itemProps2.xml><?xml version="1.0" encoding="utf-8"?>
+<ds:datastoreItem xmlns:ds="http://schemas.openxmlformats.org/officeDocument/2006/customXml" ds:itemID="{433DAF31-D8A6-49A0-9A5D-8B2EA5B1C511}">
+  <ds:schemaRefs>
+    <ds:schemaRef ds:uri="http://purl.org/dc/elements/1.1/"/>
+    <ds:schemaRef ds:uri="http://schemas.microsoft.com/office/2006/documentManagement/types"/>
+    <ds:schemaRef ds:uri="http://schemas.microsoft.com/office/infopath/2007/PartnerControls"/>
+    <ds:schemaRef ds:uri="http://purl.org/dc/dcmitype/"/>
+    <ds:schemaRef ds:uri="e96afe77-3acb-4328-97fc-408e1bde3ecd"/>
+    <ds:schemaRef ds:uri="http://schemas.microsoft.com/office/2006/metadata/properties"/>
+    <ds:schemaRef ds:uri="http://purl.org/dc/terms/"/>
+    <ds:schemaRef ds:uri="http://www.w3.org/XML/1998/namespace"/>
+    <ds:schemaRef ds:uri="http://schemas.openxmlformats.org/package/2006/metadata/core-properties"/>
+    <ds:schemaRef ds:uri="9875bd71-cde8-496c-a136-433f55d5e6d0"/>
+  </ds:schemaRefs>
+</ds:datastoreItem>
+</file>
+
 <file path=customXml/itemProps3.xml><?xml version="1.0" encoding="utf-8"?>
 <ds:datastoreItem xmlns:ds="http://schemas.openxmlformats.org/officeDocument/2006/customXml" ds:itemID="{B34386AA-1848-4C75-B336-1053927CB025}">
   <ds:schemaRefs>
